--- a/diseñoInvernadero.pptx
+++ b/diseñoInvernadero.pptx
@@ -274,7 +274,7 @@
           <a:p>
             <a:fld id="{0E76CA76-C538-4282-A12C-5D9B446AA6B8}" type="datetimeFigureOut">
               <a:rPr lang="es-EC" smtClean="0"/>
-              <a:t>28/1/2026</a:t>
+              <a:t>3/2/2026</a:t>
             </a:fld>
             <a:endParaRPr lang="es-EC"/>
           </a:p>
@@ -474,7 +474,7 @@
           <a:p>
             <a:fld id="{0E76CA76-C538-4282-A12C-5D9B446AA6B8}" type="datetimeFigureOut">
               <a:rPr lang="es-EC" smtClean="0"/>
-              <a:t>28/1/2026</a:t>
+              <a:t>3/2/2026</a:t>
             </a:fld>
             <a:endParaRPr lang="es-EC"/>
           </a:p>
@@ -684,7 +684,7 @@
           <a:p>
             <a:fld id="{0E76CA76-C538-4282-A12C-5D9B446AA6B8}" type="datetimeFigureOut">
               <a:rPr lang="es-EC" smtClean="0"/>
-              <a:t>28/1/2026</a:t>
+              <a:t>3/2/2026</a:t>
             </a:fld>
             <a:endParaRPr lang="es-EC"/>
           </a:p>
@@ -884,7 +884,7 @@
           <a:p>
             <a:fld id="{0E76CA76-C538-4282-A12C-5D9B446AA6B8}" type="datetimeFigureOut">
               <a:rPr lang="es-EC" smtClean="0"/>
-              <a:t>28/1/2026</a:t>
+              <a:t>3/2/2026</a:t>
             </a:fld>
             <a:endParaRPr lang="es-EC"/>
           </a:p>
@@ -1160,7 +1160,7 @@
           <a:p>
             <a:fld id="{0E76CA76-C538-4282-A12C-5D9B446AA6B8}" type="datetimeFigureOut">
               <a:rPr lang="es-EC" smtClean="0"/>
-              <a:t>28/1/2026</a:t>
+              <a:t>3/2/2026</a:t>
             </a:fld>
             <a:endParaRPr lang="es-EC"/>
           </a:p>
@@ -1428,7 +1428,7 @@
           <a:p>
             <a:fld id="{0E76CA76-C538-4282-A12C-5D9B446AA6B8}" type="datetimeFigureOut">
               <a:rPr lang="es-EC" smtClean="0"/>
-              <a:t>28/1/2026</a:t>
+              <a:t>3/2/2026</a:t>
             </a:fld>
             <a:endParaRPr lang="es-EC"/>
           </a:p>
@@ -1843,7 +1843,7 @@
           <a:p>
             <a:fld id="{0E76CA76-C538-4282-A12C-5D9B446AA6B8}" type="datetimeFigureOut">
               <a:rPr lang="es-EC" smtClean="0"/>
-              <a:t>28/1/2026</a:t>
+              <a:t>3/2/2026</a:t>
             </a:fld>
             <a:endParaRPr lang="es-EC"/>
           </a:p>
@@ -1985,7 +1985,7 @@
           <a:p>
             <a:fld id="{0E76CA76-C538-4282-A12C-5D9B446AA6B8}" type="datetimeFigureOut">
               <a:rPr lang="es-EC" smtClean="0"/>
-              <a:t>28/1/2026</a:t>
+              <a:t>3/2/2026</a:t>
             </a:fld>
             <a:endParaRPr lang="es-EC"/>
           </a:p>
@@ -2098,7 +2098,7 @@
           <a:p>
             <a:fld id="{0E76CA76-C538-4282-A12C-5D9B446AA6B8}" type="datetimeFigureOut">
               <a:rPr lang="es-EC" smtClean="0"/>
-              <a:t>28/1/2026</a:t>
+              <a:t>3/2/2026</a:t>
             </a:fld>
             <a:endParaRPr lang="es-EC"/>
           </a:p>
@@ -2411,7 +2411,7 @@
           <a:p>
             <a:fld id="{0E76CA76-C538-4282-A12C-5D9B446AA6B8}" type="datetimeFigureOut">
               <a:rPr lang="es-EC" smtClean="0"/>
-              <a:t>28/1/2026</a:t>
+              <a:t>3/2/2026</a:t>
             </a:fld>
             <a:endParaRPr lang="es-EC"/>
           </a:p>
@@ -2700,7 +2700,7 @@
           <a:p>
             <a:fld id="{0E76CA76-C538-4282-A12C-5D9B446AA6B8}" type="datetimeFigureOut">
               <a:rPr lang="es-EC" smtClean="0"/>
-              <a:t>28/1/2026</a:t>
+              <a:t>3/2/2026</a:t>
             </a:fld>
             <a:endParaRPr lang="es-EC"/>
           </a:p>
@@ -2943,7 +2943,7 @@
           <a:p>
             <a:fld id="{0E76CA76-C538-4282-A12C-5D9B446AA6B8}" type="datetimeFigureOut">
               <a:rPr lang="es-EC" smtClean="0"/>
-              <a:t>28/1/2026</a:t>
+              <a:t>3/2/2026</a:t>
             </a:fld>
             <a:endParaRPr lang="es-EC"/>
           </a:p>
@@ -25301,6 +25301,2588 @@
           </a:p>
         </p:txBody>
       </p:sp>
+      <p:grpSp>
+        <p:nvGrpSpPr>
+          <p:cNvPr id="6" name="Grupo 5">
+            <a:extLst>
+              <a:ext uri="{FF2B5EF4-FFF2-40B4-BE49-F238E27FC236}">
+                <a16:creationId xmlns:a16="http://schemas.microsoft.com/office/drawing/2014/main" id="{3FF20EFD-289B-9910-BF9D-D642DE81E481}"/>
+              </a:ext>
+            </a:extLst>
+          </p:cNvPr>
+          <p:cNvGrpSpPr/>
+          <p:nvPr/>
+        </p:nvGrpSpPr>
+        <p:grpSpPr>
+          <a:xfrm>
+            <a:off x="7319836" y="4843502"/>
+            <a:ext cx="758336" cy="899160"/>
+            <a:chOff x="6221584" y="4794885"/>
+            <a:chExt cx="758336" cy="899160"/>
+          </a:xfrm>
+        </p:grpSpPr>
+        <p:sp>
+          <p:nvSpPr>
+            <p:cNvPr id="8" name="Rectángulo 7">
+              <a:extLst>
+                <a:ext uri="{FF2B5EF4-FFF2-40B4-BE49-F238E27FC236}">
+                  <a16:creationId xmlns:a16="http://schemas.microsoft.com/office/drawing/2014/main" id="{6348E68D-BE95-1F12-13D9-357578BF99AF}"/>
+                </a:ext>
+              </a:extLst>
+            </p:cNvPr>
+            <p:cNvSpPr/>
+            <p:nvPr/>
+          </p:nvSpPr>
+          <p:spPr>
+            <a:xfrm>
+              <a:off x="6221584" y="4794885"/>
+              <a:ext cx="758336" cy="423496"/>
+            </a:xfrm>
+            <a:prstGeom prst="rect">
+              <a:avLst/>
+            </a:prstGeom>
+            <a:solidFill>
+              <a:schemeClr val="bg2">
+                <a:lumMod val="50000"/>
+              </a:schemeClr>
+            </a:solidFill>
+            <a:ln>
+              <a:solidFill>
+                <a:schemeClr val="tx1"/>
+              </a:solidFill>
+            </a:ln>
+          </p:spPr>
+          <p:style>
+            <a:lnRef idx="2">
+              <a:schemeClr val="accent1">
+                <a:shade val="15000"/>
+              </a:schemeClr>
+            </a:lnRef>
+            <a:fillRef idx="1">
+              <a:schemeClr val="accent1"/>
+            </a:fillRef>
+            <a:effectRef idx="0">
+              <a:schemeClr val="accent1"/>
+            </a:effectRef>
+            <a:fontRef idx="minor">
+              <a:schemeClr val="lt1"/>
+            </a:fontRef>
+          </p:style>
+          <p:txBody>
+            <a:bodyPr rtlCol="0" anchor="ctr"/>
+            <a:lstStyle/>
+            <a:p>
+              <a:pPr algn="ctr"/>
+              <a:endParaRPr lang="es-EC">
+                <a:ln>
+                  <a:solidFill>
+                    <a:schemeClr val="bg2">
+                      <a:lumMod val="75000"/>
+                    </a:schemeClr>
+                  </a:solidFill>
+                </a:ln>
+                <a:solidFill>
+                  <a:schemeClr val="bg2">
+                    <a:lumMod val="75000"/>
+                  </a:schemeClr>
+                </a:solidFill>
+              </a:endParaRPr>
+            </a:p>
+          </p:txBody>
+        </p:sp>
+        <p:sp>
+          <p:nvSpPr>
+            <p:cNvPr id="10" name="Rectángulo 9">
+              <a:extLst>
+                <a:ext uri="{FF2B5EF4-FFF2-40B4-BE49-F238E27FC236}">
+                  <a16:creationId xmlns:a16="http://schemas.microsoft.com/office/drawing/2014/main" id="{5E57E4D2-5A31-357E-E7BC-E2FCFE74D1CC}"/>
+                </a:ext>
+              </a:extLst>
+            </p:cNvPr>
+            <p:cNvSpPr/>
+            <p:nvPr/>
+          </p:nvSpPr>
+          <p:spPr>
+            <a:xfrm>
+              <a:off x="6527336" y="5218381"/>
+              <a:ext cx="146831" cy="107266"/>
+            </a:xfrm>
+            <a:prstGeom prst="rect">
+              <a:avLst/>
+            </a:prstGeom>
+            <a:solidFill>
+              <a:schemeClr val="bg2">
+                <a:lumMod val="50000"/>
+              </a:schemeClr>
+            </a:solidFill>
+            <a:ln>
+              <a:solidFill>
+                <a:schemeClr val="tx1"/>
+              </a:solidFill>
+            </a:ln>
+          </p:spPr>
+          <p:style>
+            <a:lnRef idx="2">
+              <a:schemeClr val="accent1">
+                <a:shade val="15000"/>
+              </a:schemeClr>
+            </a:lnRef>
+            <a:fillRef idx="1">
+              <a:schemeClr val="accent1"/>
+            </a:fillRef>
+            <a:effectRef idx="0">
+              <a:schemeClr val="accent1"/>
+            </a:effectRef>
+            <a:fontRef idx="minor">
+              <a:schemeClr val="lt1"/>
+            </a:fontRef>
+          </p:style>
+          <p:txBody>
+            <a:bodyPr rtlCol="0" anchor="ctr"/>
+            <a:lstStyle/>
+            <a:p>
+              <a:pPr algn="ctr"/>
+              <a:endParaRPr lang="es-EC">
+                <a:ln>
+                  <a:solidFill>
+                    <a:schemeClr val="bg2">
+                      <a:lumMod val="75000"/>
+                    </a:schemeClr>
+                  </a:solidFill>
+                </a:ln>
+                <a:solidFill>
+                  <a:schemeClr val="bg2">
+                    <a:lumMod val="75000"/>
+                  </a:schemeClr>
+                </a:solidFill>
+              </a:endParaRPr>
+            </a:p>
+          </p:txBody>
+        </p:sp>
+        <p:sp>
+          <p:nvSpPr>
+            <p:cNvPr id="11" name="Rectángulo 10">
+              <a:extLst>
+                <a:ext uri="{FF2B5EF4-FFF2-40B4-BE49-F238E27FC236}">
+                  <a16:creationId xmlns:a16="http://schemas.microsoft.com/office/drawing/2014/main" id="{67A62F06-EF7F-4B16-4DE1-ED0B85D743B3}"/>
+                </a:ext>
+              </a:extLst>
+            </p:cNvPr>
+            <p:cNvSpPr/>
+            <p:nvPr/>
+          </p:nvSpPr>
+          <p:spPr>
+            <a:xfrm>
+              <a:off x="6577891" y="5325647"/>
+              <a:ext cx="45719" cy="368398"/>
+            </a:xfrm>
+            <a:prstGeom prst="rect">
+              <a:avLst/>
+            </a:prstGeom>
+            <a:solidFill>
+              <a:schemeClr val="bg2">
+                <a:lumMod val="50000"/>
+              </a:schemeClr>
+            </a:solidFill>
+            <a:ln>
+              <a:solidFill>
+                <a:schemeClr val="tx1"/>
+              </a:solidFill>
+            </a:ln>
+          </p:spPr>
+          <p:style>
+            <a:lnRef idx="2">
+              <a:schemeClr val="accent1">
+                <a:shade val="15000"/>
+              </a:schemeClr>
+            </a:lnRef>
+            <a:fillRef idx="1">
+              <a:schemeClr val="accent1"/>
+            </a:fillRef>
+            <a:effectRef idx="0">
+              <a:schemeClr val="accent1"/>
+            </a:effectRef>
+            <a:fontRef idx="minor">
+              <a:schemeClr val="lt1"/>
+            </a:fontRef>
+          </p:style>
+          <p:txBody>
+            <a:bodyPr rtlCol="0" anchor="ctr"/>
+            <a:lstStyle/>
+            <a:p>
+              <a:pPr algn="ctr"/>
+              <a:endParaRPr lang="es-EC">
+                <a:ln>
+                  <a:solidFill>
+                    <a:schemeClr val="bg2">
+                      <a:lumMod val="75000"/>
+                    </a:schemeClr>
+                  </a:solidFill>
+                </a:ln>
+                <a:solidFill>
+                  <a:schemeClr val="bg2">
+                    <a:lumMod val="75000"/>
+                  </a:schemeClr>
+                </a:solidFill>
+              </a:endParaRPr>
+            </a:p>
+          </p:txBody>
+        </p:sp>
+        <p:grpSp>
+          <p:nvGrpSpPr>
+            <p:cNvPr id="13" name="Grupo 12">
+              <a:extLst>
+                <a:ext uri="{FF2B5EF4-FFF2-40B4-BE49-F238E27FC236}">
+                  <a16:creationId xmlns:a16="http://schemas.microsoft.com/office/drawing/2014/main" id="{6684AB52-735C-B28C-8A98-628A11C96999}"/>
+                </a:ext>
+              </a:extLst>
+            </p:cNvPr>
+            <p:cNvGrpSpPr/>
+            <p:nvPr/>
+          </p:nvGrpSpPr>
+          <p:grpSpPr>
+            <a:xfrm>
+              <a:off x="6288405" y="4863465"/>
+              <a:ext cx="140970" cy="177165"/>
+              <a:chOff x="6288405" y="4863465"/>
+              <a:chExt cx="140970" cy="177165"/>
+            </a:xfrm>
+          </p:grpSpPr>
+          <p:cxnSp>
+            <p:nvCxnSpPr>
+              <p:cNvPr id="23" name="Conector recto 22">
+                <a:extLst>
+                  <a:ext uri="{FF2B5EF4-FFF2-40B4-BE49-F238E27FC236}">
+                    <a16:creationId xmlns:a16="http://schemas.microsoft.com/office/drawing/2014/main" id="{6CA71890-16B5-0B5A-E59E-770EB40C37E5}"/>
+                  </a:ext>
+                </a:extLst>
+              </p:cNvPr>
+              <p:cNvCxnSpPr>
+                <a:cxnSpLocks/>
+              </p:cNvCxnSpPr>
+              <p:nvPr/>
+            </p:nvCxnSpPr>
+            <p:spPr>
+              <a:xfrm>
+                <a:off x="6288405" y="4863465"/>
+                <a:ext cx="140970" cy="0"/>
+              </a:xfrm>
+              <a:prstGeom prst="line">
+                <a:avLst/>
+              </a:prstGeom>
+              <a:ln w="19050">
+                <a:solidFill>
+                  <a:schemeClr val="tx1"/>
+                </a:solidFill>
+              </a:ln>
+            </p:spPr>
+            <p:style>
+              <a:lnRef idx="1">
+                <a:schemeClr val="accent1"/>
+              </a:lnRef>
+              <a:fillRef idx="0">
+                <a:schemeClr val="accent1"/>
+              </a:fillRef>
+              <a:effectRef idx="0">
+                <a:schemeClr val="accent1"/>
+              </a:effectRef>
+              <a:fontRef idx="minor">
+                <a:schemeClr val="tx1"/>
+              </a:fontRef>
+            </p:style>
+          </p:cxnSp>
+          <p:cxnSp>
+            <p:nvCxnSpPr>
+              <p:cNvPr id="24" name="Conector recto 23">
+                <a:extLst>
+                  <a:ext uri="{FF2B5EF4-FFF2-40B4-BE49-F238E27FC236}">
+                    <a16:creationId xmlns:a16="http://schemas.microsoft.com/office/drawing/2014/main" id="{B2DFF549-98E0-35C4-A482-FBB61C0FB699}"/>
+                  </a:ext>
+                </a:extLst>
+              </p:cNvPr>
+              <p:cNvCxnSpPr>
+                <a:cxnSpLocks/>
+              </p:cNvCxnSpPr>
+              <p:nvPr/>
+            </p:nvCxnSpPr>
+            <p:spPr>
+              <a:xfrm>
+                <a:off x="6288405" y="4897755"/>
+                <a:ext cx="140970" cy="0"/>
+              </a:xfrm>
+              <a:prstGeom prst="line">
+                <a:avLst/>
+              </a:prstGeom>
+              <a:ln w="19050">
+                <a:solidFill>
+                  <a:schemeClr val="tx1"/>
+                </a:solidFill>
+              </a:ln>
+            </p:spPr>
+            <p:style>
+              <a:lnRef idx="1">
+                <a:schemeClr val="accent1"/>
+              </a:lnRef>
+              <a:fillRef idx="0">
+                <a:schemeClr val="accent1"/>
+              </a:fillRef>
+              <a:effectRef idx="0">
+                <a:schemeClr val="accent1"/>
+              </a:effectRef>
+              <a:fontRef idx="minor">
+                <a:schemeClr val="tx1"/>
+              </a:fontRef>
+            </p:style>
+          </p:cxnSp>
+          <p:cxnSp>
+            <p:nvCxnSpPr>
+              <p:cNvPr id="25" name="Conector recto 24">
+                <a:extLst>
+                  <a:ext uri="{FF2B5EF4-FFF2-40B4-BE49-F238E27FC236}">
+                    <a16:creationId xmlns:a16="http://schemas.microsoft.com/office/drawing/2014/main" id="{C2CF6616-979B-AC02-AED4-7D34A45AD4DC}"/>
+                  </a:ext>
+                </a:extLst>
+              </p:cNvPr>
+              <p:cNvCxnSpPr>
+                <a:cxnSpLocks/>
+              </p:cNvCxnSpPr>
+              <p:nvPr/>
+            </p:nvCxnSpPr>
+            <p:spPr>
+              <a:xfrm>
+                <a:off x="6288405" y="4932045"/>
+                <a:ext cx="140970" cy="0"/>
+              </a:xfrm>
+              <a:prstGeom prst="line">
+                <a:avLst/>
+              </a:prstGeom>
+              <a:ln w="19050">
+                <a:solidFill>
+                  <a:schemeClr val="tx1"/>
+                </a:solidFill>
+              </a:ln>
+            </p:spPr>
+            <p:style>
+              <a:lnRef idx="1">
+                <a:schemeClr val="accent1"/>
+              </a:lnRef>
+              <a:fillRef idx="0">
+                <a:schemeClr val="accent1"/>
+              </a:fillRef>
+              <a:effectRef idx="0">
+                <a:schemeClr val="accent1"/>
+              </a:effectRef>
+              <a:fontRef idx="minor">
+                <a:schemeClr val="tx1"/>
+              </a:fontRef>
+            </p:style>
+          </p:cxnSp>
+          <p:cxnSp>
+            <p:nvCxnSpPr>
+              <p:cNvPr id="28" name="Conector recto 27">
+                <a:extLst>
+                  <a:ext uri="{FF2B5EF4-FFF2-40B4-BE49-F238E27FC236}">
+                    <a16:creationId xmlns:a16="http://schemas.microsoft.com/office/drawing/2014/main" id="{822E60E4-8123-8632-A30F-24F7E1E4A8E9}"/>
+                  </a:ext>
+                </a:extLst>
+              </p:cNvPr>
+              <p:cNvCxnSpPr>
+                <a:cxnSpLocks/>
+              </p:cNvCxnSpPr>
+              <p:nvPr/>
+            </p:nvCxnSpPr>
+            <p:spPr>
+              <a:xfrm>
+                <a:off x="6288405" y="4968240"/>
+                <a:ext cx="140970" cy="0"/>
+              </a:xfrm>
+              <a:prstGeom prst="line">
+                <a:avLst/>
+              </a:prstGeom>
+              <a:ln w="19050">
+                <a:solidFill>
+                  <a:schemeClr val="tx1"/>
+                </a:solidFill>
+              </a:ln>
+            </p:spPr>
+            <p:style>
+              <a:lnRef idx="1">
+                <a:schemeClr val="accent1"/>
+              </a:lnRef>
+              <a:fillRef idx="0">
+                <a:schemeClr val="accent1"/>
+              </a:fillRef>
+              <a:effectRef idx="0">
+                <a:schemeClr val="accent1"/>
+              </a:effectRef>
+              <a:fontRef idx="minor">
+                <a:schemeClr val="tx1"/>
+              </a:fontRef>
+            </p:style>
+          </p:cxnSp>
+          <p:cxnSp>
+            <p:nvCxnSpPr>
+              <p:cNvPr id="29" name="Conector recto 28">
+                <a:extLst>
+                  <a:ext uri="{FF2B5EF4-FFF2-40B4-BE49-F238E27FC236}">
+                    <a16:creationId xmlns:a16="http://schemas.microsoft.com/office/drawing/2014/main" id="{DC62C00A-9D94-F9BC-DFA1-25C76BB9079A}"/>
+                  </a:ext>
+                </a:extLst>
+              </p:cNvPr>
+              <p:cNvCxnSpPr>
+                <a:cxnSpLocks/>
+              </p:cNvCxnSpPr>
+              <p:nvPr/>
+            </p:nvCxnSpPr>
+            <p:spPr>
+              <a:xfrm>
+                <a:off x="6288405" y="5006633"/>
+                <a:ext cx="140970" cy="0"/>
+              </a:xfrm>
+              <a:prstGeom prst="line">
+                <a:avLst/>
+              </a:prstGeom>
+              <a:ln w="19050">
+                <a:solidFill>
+                  <a:schemeClr val="tx1"/>
+                </a:solidFill>
+              </a:ln>
+            </p:spPr>
+            <p:style>
+              <a:lnRef idx="1">
+                <a:schemeClr val="accent1"/>
+              </a:lnRef>
+              <a:fillRef idx="0">
+                <a:schemeClr val="accent1"/>
+              </a:fillRef>
+              <a:effectRef idx="0">
+                <a:schemeClr val="accent1"/>
+              </a:effectRef>
+              <a:fontRef idx="minor">
+                <a:schemeClr val="tx1"/>
+              </a:fontRef>
+            </p:style>
+          </p:cxnSp>
+          <p:cxnSp>
+            <p:nvCxnSpPr>
+              <p:cNvPr id="31" name="Conector recto 30">
+                <a:extLst>
+                  <a:ext uri="{FF2B5EF4-FFF2-40B4-BE49-F238E27FC236}">
+                    <a16:creationId xmlns:a16="http://schemas.microsoft.com/office/drawing/2014/main" id="{12174EE0-C617-EABD-8E17-7E2D1ABD7337}"/>
+                  </a:ext>
+                </a:extLst>
+              </p:cNvPr>
+              <p:cNvCxnSpPr>
+                <a:cxnSpLocks/>
+              </p:cNvCxnSpPr>
+              <p:nvPr/>
+            </p:nvCxnSpPr>
+            <p:spPr>
+              <a:xfrm>
+                <a:off x="6288405" y="5040630"/>
+                <a:ext cx="140970" cy="0"/>
+              </a:xfrm>
+              <a:prstGeom prst="line">
+                <a:avLst/>
+              </a:prstGeom>
+              <a:ln w="19050">
+                <a:solidFill>
+                  <a:schemeClr val="tx1"/>
+                </a:solidFill>
+              </a:ln>
+            </p:spPr>
+            <p:style>
+              <a:lnRef idx="1">
+                <a:schemeClr val="accent1"/>
+              </a:lnRef>
+              <a:fillRef idx="0">
+                <a:schemeClr val="accent1"/>
+              </a:fillRef>
+              <a:effectRef idx="0">
+                <a:schemeClr val="accent1"/>
+              </a:effectRef>
+              <a:fontRef idx="minor">
+                <a:schemeClr val="tx1"/>
+              </a:fontRef>
+            </p:style>
+          </p:cxnSp>
+        </p:grpSp>
+        <p:grpSp>
+          <p:nvGrpSpPr>
+            <p:cNvPr id="15" name="Grupo 14">
+              <a:extLst>
+                <a:ext uri="{FF2B5EF4-FFF2-40B4-BE49-F238E27FC236}">
+                  <a16:creationId xmlns:a16="http://schemas.microsoft.com/office/drawing/2014/main" id="{AB7887A3-76C0-4716-A2E0-9308D637A80E}"/>
+                </a:ext>
+              </a:extLst>
+            </p:cNvPr>
+            <p:cNvGrpSpPr/>
+            <p:nvPr/>
+          </p:nvGrpSpPr>
+          <p:grpSpPr>
+            <a:xfrm>
+              <a:off x="6785610" y="4863465"/>
+              <a:ext cx="140970" cy="177165"/>
+              <a:chOff x="6288405" y="4863465"/>
+              <a:chExt cx="140970" cy="177165"/>
+            </a:xfrm>
+          </p:grpSpPr>
+          <p:cxnSp>
+            <p:nvCxnSpPr>
+              <p:cNvPr id="17" name="Conector recto 16">
+                <a:extLst>
+                  <a:ext uri="{FF2B5EF4-FFF2-40B4-BE49-F238E27FC236}">
+                    <a16:creationId xmlns:a16="http://schemas.microsoft.com/office/drawing/2014/main" id="{F6916B86-2765-2A89-3F26-CA767EC8E37B}"/>
+                  </a:ext>
+                </a:extLst>
+              </p:cNvPr>
+              <p:cNvCxnSpPr>
+                <a:cxnSpLocks/>
+              </p:cNvCxnSpPr>
+              <p:nvPr/>
+            </p:nvCxnSpPr>
+            <p:spPr>
+              <a:xfrm>
+                <a:off x="6288405" y="4863465"/>
+                <a:ext cx="140970" cy="0"/>
+              </a:xfrm>
+              <a:prstGeom prst="line">
+                <a:avLst/>
+              </a:prstGeom>
+              <a:ln w="19050">
+                <a:solidFill>
+                  <a:schemeClr val="tx1"/>
+                </a:solidFill>
+              </a:ln>
+            </p:spPr>
+            <p:style>
+              <a:lnRef idx="1">
+                <a:schemeClr val="accent1"/>
+              </a:lnRef>
+              <a:fillRef idx="0">
+                <a:schemeClr val="accent1"/>
+              </a:fillRef>
+              <a:effectRef idx="0">
+                <a:schemeClr val="accent1"/>
+              </a:effectRef>
+              <a:fontRef idx="minor">
+                <a:schemeClr val="tx1"/>
+              </a:fontRef>
+            </p:style>
+          </p:cxnSp>
+          <p:cxnSp>
+            <p:nvCxnSpPr>
+              <p:cNvPr id="18" name="Conector recto 17">
+                <a:extLst>
+                  <a:ext uri="{FF2B5EF4-FFF2-40B4-BE49-F238E27FC236}">
+                    <a16:creationId xmlns:a16="http://schemas.microsoft.com/office/drawing/2014/main" id="{8F9D915C-5E34-13F0-635D-46D8039F08ED}"/>
+                  </a:ext>
+                </a:extLst>
+              </p:cNvPr>
+              <p:cNvCxnSpPr>
+                <a:cxnSpLocks/>
+              </p:cNvCxnSpPr>
+              <p:nvPr/>
+            </p:nvCxnSpPr>
+            <p:spPr>
+              <a:xfrm>
+                <a:off x="6288405" y="4897755"/>
+                <a:ext cx="140970" cy="0"/>
+              </a:xfrm>
+              <a:prstGeom prst="line">
+                <a:avLst/>
+              </a:prstGeom>
+              <a:ln w="19050">
+                <a:solidFill>
+                  <a:schemeClr val="tx1"/>
+                </a:solidFill>
+              </a:ln>
+            </p:spPr>
+            <p:style>
+              <a:lnRef idx="1">
+                <a:schemeClr val="accent1"/>
+              </a:lnRef>
+              <a:fillRef idx="0">
+                <a:schemeClr val="accent1"/>
+              </a:fillRef>
+              <a:effectRef idx="0">
+                <a:schemeClr val="accent1"/>
+              </a:effectRef>
+              <a:fontRef idx="minor">
+                <a:schemeClr val="tx1"/>
+              </a:fontRef>
+            </p:style>
+          </p:cxnSp>
+          <p:cxnSp>
+            <p:nvCxnSpPr>
+              <p:cNvPr id="19" name="Conector recto 18">
+                <a:extLst>
+                  <a:ext uri="{FF2B5EF4-FFF2-40B4-BE49-F238E27FC236}">
+                    <a16:creationId xmlns:a16="http://schemas.microsoft.com/office/drawing/2014/main" id="{E9CFBC86-73F3-6F4B-8AB7-989E2AEA5F83}"/>
+                  </a:ext>
+                </a:extLst>
+              </p:cNvPr>
+              <p:cNvCxnSpPr>
+                <a:cxnSpLocks/>
+              </p:cNvCxnSpPr>
+              <p:nvPr/>
+            </p:nvCxnSpPr>
+            <p:spPr>
+              <a:xfrm>
+                <a:off x="6288405" y="4932045"/>
+                <a:ext cx="140970" cy="0"/>
+              </a:xfrm>
+              <a:prstGeom prst="line">
+                <a:avLst/>
+              </a:prstGeom>
+              <a:ln w="19050">
+                <a:solidFill>
+                  <a:schemeClr val="tx1"/>
+                </a:solidFill>
+              </a:ln>
+            </p:spPr>
+            <p:style>
+              <a:lnRef idx="1">
+                <a:schemeClr val="accent1"/>
+              </a:lnRef>
+              <a:fillRef idx="0">
+                <a:schemeClr val="accent1"/>
+              </a:fillRef>
+              <a:effectRef idx="0">
+                <a:schemeClr val="accent1"/>
+              </a:effectRef>
+              <a:fontRef idx="minor">
+                <a:schemeClr val="tx1"/>
+              </a:fontRef>
+            </p:style>
+          </p:cxnSp>
+          <p:cxnSp>
+            <p:nvCxnSpPr>
+              <p:cNvPr id="20" name="Conector recto 19">
+                <a:extLst>
+                  <a:ext uri="{FF2B5EF4-FFF2-40B4-BE49-F238E27FC236}">
+                    <a16:creationId xmlns:a16="http://schemas.microsoft.com/office/drawing/2014/main" id="{C4D89EAD-B279-CC18-894E-EBD1BB2C9FBC}"/>
+                  </a:ext>
+                </a:extLst>
+              </p:cNvPr>
+              <p:cNvCxnSpPr>
+                <a:cxnSpLocks/>
+              </p:cNvCxnSpPr>
+              <p:nvPr/>
+            </p:nvCxnSpPr>
+            <p:spPr>
+              <a:xfrm>
+                <a:off x="6288405" y="4968240"/>
+                <a:ext cx="140970" cy="0"/>
+              </a:xfrm>
+              <a:prstGeom prst="line">
+                <a:avLst/>
+              </a:prstGeom>
+              <a:ln w="19050">
+                <a:solidFill>
+                  <a:schemeClr val="tx1"/>
+                </a:solidFill>
+              </a:ln>
+            </p:spPr>
+            <p:style>
+              <a:lnRef idx="1">
+                <a:schemeClr val="accent1"/>
+              </a:lnRef>
+              <a:fillRef idx="0">
+                <a:schemeClr val="accent1"/>
+              </a:fillRef>
+              <a:effectRef idx="0">
+                <a:schemeClr val="accent1"/>
+              </a:effectRef>
+              <a:fontRef idx="minor">
+                <a:schemeClr val="tx1"/>
+              </a:fontRef>
+            </p:style>
+          </p:cxnSp>
+          <p:cxnSp>
+            <p:nvCxnSpPr>
+              <p:cNvPr id="21" name="Conector recto 20">
+                <a:extLst>
+                  <a:ext uri="{FF2B5EF4-FFF2-40B4-BE49-F238E27FC236}">
+                    <a16:creationId xmlns:a16="http://schemas.microsoft.com/office/drawing/2014/main" id="{4E49EB8C-AB61-FD13-0CBC-C70D7C6DD3E9}"/>
+                  </a:ext>
+                </a:extLst>
+              </p:cNvPr>
+              <p:cNvCxnSpPr>
+                <a:cxnSpLocks/>
+              </p:cNvCxnSpPr>
+              <p:nvPr/>
+            </p:nvCxnSpPr>
+            <p:spPr>
+              <a:xfrm>
+                <a:off x="6288405" y="5006633"/>
+                <a:ext cx="140970" cy="0"/>
+              </a:xfrm>
+              <a:prstGeom prst="line">
+                <a:avLst/>
+              </a:prstGeom>
+              <a:ln w="19050">
+                <a:solidFill>
+                  <a:schemeClr val="tx1"/>
+                </a:solidFill>
+              </a:ln>
+            </p:spPr>
+            <p:style>
+              <a:lnRef idx="1">
+                <a:schemeClr val="accent1"/>
+              </a:lnRef>
+              <a:fillRef idx="0">
+                <a:schemeClr val="accent1"/>
+              </a:fillRef>
+              <a:effectRef idx="0">
+                <a:schemeClr val="accent1"/>
+              </a:effectRef>
+              <a:fontRef idx="minor">
+                <a:schemeClr val="tx1"/>
+              </a:fontRef>
+            </p:style>
+          </p:cxnSp>
+          <p:cxnSp>
+            <p:nvCxnSpPr>
+              <p:cNvPr id="22" name="Conector recto 21">
+                <a:extLst>
+                  <a:ext uri="{FF2B5EF4-FFF2-40B4-BE49-F238E27FC236}">
+                    <a16:creationId xmlns:a16="http://schemas.microsoft.com/office/drawing/2014/main" id="{288E6D9B-5A6B-AF01-8144-FF6D1A1D3011}"/>
+                  </a:ext>
+                </a:extLst>
+              </p:cNvPr>
+              <p:cNvCxnSpPr>
+                <a:cxnSpLocks/>
+              </p:cNvCxnSpPr>
+              <p:nvPr/>
+            </p:nvCxnSpPr>
+            <p:spPr>
+              <a:xfrm>
+                <a:off x="6288405" y="5040630"/>
+                <a:ext cx="140970" cy="0"/>
+              </a:xfrm>
+              <a:prstGeom prst="line">
+                <a:avLst/>
+              </a:prstGeom>
+              <a:ln w="19050">
+                <a:solidFill>
+                  <a:schemeClr val="tx1"/>
+                </a:solidFill>
+              </a:ln>
+            </p:spPr>
+            <p:style>
+              <a:lnRef idx="1">
+                <a:schemeClr val="accent1"/>
+              </a:lnRef>
+              <a:fillRef idx="0">
+                <a:schemeClr val="accent1"/>
+              </a:fillRef>
+              <a:effectRef idx="0">
+                <a:schemeClr val="accent1"/>
+              </a:effectRef>
+              <a:fontRef idx="minor">
+                <a:schemeClr val="tx1"/>
+              </a:fontRef>
+            </p:style>
+          </p:cxnSp>
+        </p:grpSp>
+        <p:sp>
+          <p:nvSpPr>
+            <p:cNvPr id="16" name="Elipse 15">
+              <a:extLst>
+                <a:ext uri="{FF2B5EF4-FFF2-40B4-BE49-F238E27FC236}">
+                  <a16:creationId xmlns:a16="http://schemas.microsoft.com/office/drawing/2014/main" id="{D0BDA85C-048D-FE26-9BA1-4F1A9DF1F3FB}"/>
+                </a:ext>
+              </a:extLst>
+            </p:cNvPr>
+            <p:cNvSpPr/>
+            <p:nvPr/>
+          </p:nvSpPr>
+          <p:spPr>
+            <a:xfrm>
+              <a:off x="6852285" y="5124459"/>
+              <a:ext cx="64770" cy="59046"/>
+            </a:xfrm>
+            <a:prstGeom prst="ellipse">
+              <a:avLst/>
+            </a:prstGeom>
+            <a:solidFill>
+              <a:srgbClr val="C00000"/>
+            </a:solidFill>
+            <a:ln>
+              <a:noFill/>
+            </a:ln>
+          </p:spPr>
+          <p:style>
+            <a:lnRef idx="2">
+              <a:schemeClr val="accent1">
+                <a:shade val="15000"/>
+              </a:schemeClr>
+            </a:lnRef>
+            <a:fillRef idx="1">
+              <a:schemeClr val="accent1"/>
+            </a:fillRef>
+            <a:effectRef idx="0">
+              <a:schemeClr val="accent1"/>
+            </a:effectRef>
+            <a:fontRef idx="minor">
+              <a:schemeClr val="lt1"/>
+            </a:fontRef>
+          </p:style>
+          <p:txBody>
+            <a:bodyPr rtlCol="0" anchor="ctr"/>
+            <a:lstStyle/>
+            <a:p>
+              <a:pPr algn="ctr"/>
+              <a:endParaRPr lang="es-EC"/>
+            </a:p>
+          </p:txBody>
+        </p:sp>
+      </p:grpSp>
+      <p:grpSp>
+        <p:nvGrpSpPr>
+          <p:cNvPr id="32" name="Grupo 31">
+            <a:extLst>
+              <a:ext uri="{FF2B5EF4-FFF2-40B4-BE49-F238E27FC236}">
+                <a16:creationId xmlns:a16="http://schemas.microsoft.com/office/drawing/2014/main" id="{E04F7C39-F7E9-DD8C-F081-60161D5AF33B}"/>
+              </a:ext>
+            </a:extLst>
+          </p:cNvPr>
+          <p:cNvGrpSpPr/>
+          <p:nvPr/>
+        </p:nvGrpSpPr>
+        <p:grpSpPr>
+          <a:xfrm>
+            <a:off x="9469481" y="4922486"/>
+            <a:ext cx="659130" cy="796290"/>
+            <a:chOff x="6221584" y="4794885"/>
+            <a:chExt cx="758336" cy="899160"/>
+          </a:xfrm>
+        </p:grpSpPr>
+        <p:sp>
+          <p:nvSpPr>
+            <p:cNvPr id="33" name="Rectángulo 32">
+              <a:extLst>
+                <a:ext uri="{FF2B5EF4-FFF2-40B4-BE49-F238E27FC236}">
+                  <a16:creationId xmlns:a16="http://schemas.microsoft.com/office/drawing/2014/main" id="{1E1ED107-76C4-7B94-A0F9-5A161FC03B11}"/>
+                </a:ext>
+              </a:extLst>
+            </p:cNvPr>
+            <p:cNvSpPr/>
+            <p:nvPr/>
+          </p:nvSpPr>
+          <p:spPr>
+            <a:xfrm>
+              <a:off x="6221584" y="4794885"/>
+              <a:ext cx="758336" cy="423496"/>
+            </a:xfrm>
+            <a:prstGeom prst="rect">
+              <a:avLst/>
+            </a:prstGeom>
+            <a:solidFill>
+              <a:schemeClr val="bg2">
+                <a:lumMod val="50000"/>
+              </a:schemeClr>
+            </a:solidFill>
+            <a:ln>
+              <a:solidFill>
+                <a:schemeClr val="tx1"/>
+              </a:solidFill>
+            </a:ln>
+          </p:spPr>
+          <p:style>
+            <a:lnRef idx="2">
+              <a:schemeClr val="accent1">
+                <a:shade val="15000"/>
+              </a:schemeClr>
+            </a:lnRef>
+            <a:fillRef idx="1">
+              <a:schemeClr val="accent1"/>
+            </a:fillRef>
+            <a:effectRef idx="0">
+              <a:schemeClr val="accent1"/>
+            </a:effectRef>
+            <a:fontRef idx="minor">
+              <a:schemeClr val="lt1"/>
+            </a:fontRef>
+          </p:style>
+          <p:txBody>
+            <a:bodyPr rtlCol="0" anchor="ctr"/>
+            <a:lstStyle/>
+            <a:p>
+              <a:pPr algn="ctr"/>
+              <a:endParaRPr lang="es-EC">
+                <a:ln>
+                  <a:solidFill>
+                    <a:schemeClr val="bg2">
+                      <a:lumMod val="75000"/>
+                    </a:schemeClr>
+                  </a:solidFill>
+                </a:ln>
+                <a:solidFill>
+                  <a:schemeClr val="bg2">
+                    <a:lumMod val="75000"/>
+                  </a:schemeClr>
+                </a:solidFill>
+              </a:endParaRPr>
+            </a:p>
+          </p:txBody>
+        </p:sp>
+        <p:sp>
+          <p:nvSpPr>
+            <p:cNvPr id="35" name="Rectángulo 34">
+              <a:extLst>
+                <a:ext uri="{FF2B5EF4-FFF2-40B4-BE49-F238E27FC236}">
+                  <a16:creationId xmlns:a16="http://schemas.microsoft.com/office/drawing/2014/main" id="{CCC9CC44-A936-EE0A-EBCC-AC23C877F7F0}"/>
+                </a:ext>
+              </a:extLst>
+            </p:cNvPr>
+            <p:cNvSpPr/>
+            <p:nvPr/>
+          </p:nvSpPr>
+          <p:spPr>
+            <a:xfrm>
+              <a:off x="6527336" y="5218381"/>
+              <a:ext cx="146831" cy="107266"/>
+            </a:xfrm>
+            <a:prstGeom prst="rect">
+              <a:avLst/>
+            </a:prstGeom>
+            <a:solidFill>
+              <a:schemeClr val="bg2">
+                <a:lumMod val="50000"/>
+              </a:schemeClr>
+            </a:solidFill>
+            <a:ln>
+              <a:solidFill>
+                <a:schemeClr val="tx1"/>
+              </a:solidFill>
+            </a:ln>
+          </p:spPr>
+          <p:style>
+            <a:lnRef idx="2">
+              <a:schemeClr val="accent1">
+                <a:shade val="15000"/>
+              </a:schemeClr>
+            </a:lnRef>
+            <a:fillRef idx="1">
+              <a:schemeClr val="accent1"/>
+            </a:fillRef>
+            <a:effectRef idx="0">
+              <a:schemeClr val="accent1"/>
+            </a:effectRef>
+            <a:fontRef idx="minor">
+              <a:schemeClr val="lt1"/>
+            </a:fontRef>
+          </p:style>
+          <p:txBody>
+            <a:bodyPr rtlCol="0" anchor="ctr"/>
+            <a:lstStyle/>
+            <a:p>
+              <a:pPr algn="ctr"/>
+              <a:endParaRPr lang="es-EC">
+                <a:ln>
+                  <a:solidFill>
+                    <a:schemeClr val="bg2">
+                      <a:lumMod val="75000"/>
+                    </a:schemeClr>
+                  </a:solidFill>
+                </a:ln>
+                <a:solidFill>
+                  <a:schemeClr val="bg2">
+                    <a:lumMod val="75000"/>
+                  </a:schemeClr>
+                </a:solidFill>
+              </a:endParaRPr>
+            </a:p>
+          </p:txBody>
+        </p:sp>
+        <p:sp>
+          <p:nvSpPr>
+            <p:cNvPr id="36" name="Rectángulo 35">
+              <a:extLst>
+                <a:ext uri="{FF2B5EF4-FFF2-40B4-BE49-F238E27FC236}">
+                  <a16:creationId xmlns:a16="http://schemas.microsoft.com/office/drawing/2014/main" id="{6CAEFD47-A015-0266-8AB2-F79E09C89107}"/>
+                </a:ext>
+              </a:extLst>
+            </p:cNvPr>
+            <p:cNvSpPr/>
+            <p:nvPr/>
+          </p:nvSpPr>
+          <p:spPr>
+            <a:xfrm>
+              <a:off x="6577891" y="5325647"/>
+              <a:ext cx="45719" cy="368398"/>
+            </a:xfrm>
+            <a:prstGeom prst="rect">
+              <a:avLst/>
+            </a:prstGeom>
+            <a:solidFill>
+              <a:schemeClr val="bg2">
+                <a:lumMod val="50000"/>
+              </a:schemeClr>
+            </a:solidFill>
+            <a:ln>
+              <a:solidFill>
+                <a:schemeClr val="tx1"/>
+              </a:solidFill>
+            </a:ln>
+          </p:spPr>
+          <p:style>
+            <a:lnRef idx="2">
+              <a:schemeClr val="accent1">
+                <a:shade val="15000"/>
+              </a:schemeClr>
+            </a:lnRef>
+            <a:fillRef idx="1">
+              <a:schemeClr val="accent1"/>
+            </a:fillRef>
+            <a:effectRef idx="0">
+              <a:schemeClr val="accent1"/>
+            </a:effectRef>
+            <a:fontRef idx="minor">
+              <a:schemeClr val="lt1"/>
+            </a:fontRef>
+          </p:style>
+          <p:txBody>
+            <a:bodyPr rtlCol="0" anchor="ctr"/>
+            <a:lstStyle/>
+            <a:p>
+              <a:pPr algn="ctr"/>
+              <a:endParaRPr lang="es-EC">
+                <a:ln>
+                  <a:solidFill>
+                    <a:schemeClr val="bg2">
+                      <a:lumMod val="75000"/>
+                    </a:schemeClr>
+                  </a:solidFill>
+                </a:ln>
+                <a:solidFill>
+                  <a:schemeClr val="bg2">
+                    <a:lumMod val="75000"/>
+                  </a:schemeClr>
+                </a:solidFill>
+              </a:endParaRPr>
+            </a:p>
+          </p:txBody>
+        </p:sp>
+        <p:grpSp>
+          <p:nvGrpSpPr>
+            <p:cNvPr id="37" name="Grupo 36">
+              <a:extLst>
+                <a:ext uri="{FF2B5EF4-FFF2-40B4-BE49-F238E27FC236}">
+                  <a16:creationId xmlns:a16="http://schemas.microsoft.com/office/drawing/2014/main" id="{2061A07E-8048-C96C-E030-572D17D4D81F}"/>
+                </a:ext>
+              </a:extLst>
+            </p:cNvPr>
+            <p:cNvGrpSpPr/>
+            <p:nvPr/>
+          </p:nvGrpSpPr>
+          <p:grpSpPr>
+            <a:xfrm>
+              <a:off x="6288405" y="4863465"/>
+              <a:ext cx="140970" cy="177165"/>
+              <a:chOff x="6288405" y="4863465"/>
+              <a:chExt cx="140970" cy="177165"/>
+            </a:xfrm>
+          </p:grpSpPr>
+          <p:cxnSp>
+            <p:nvCxnSpPr>
+              <p:cNvPr id="52" name="Conector recto 51">
+                <a:extLst>
+                  <a:ext uri="{FF2B5EF4-FFF2-40B4-BE49-F238E27FC236}">
+                    <a16:creationId xmlns:a16="http://schemas.microsoft.com/office/drawing/2014/main" id="{9A2E2756-FE85-6215-C913-606004E148DA}"/>
+                  </a:ext>
+                </a:extLst>
+              </p:cNvPr>
+              <p:cNvCxnSpPr>
+                <a:cxnSpLocks/>
+              </p:cNvCxnSpPr>
+              <p:nvPr/>
+            </p:nvCxnSpPr>
+            <p:spPr>
+              <a:xfrm>
+                <a:off x="6288405" y="4863465"/>
+                <a:ext cx="140970" cy="0"/>
+              </a:xfrm>
+              <a:prstGeom prst="line">
+                <a:avLst/>
+              </a:prstGeom>
+              <a:ln w="19050">
+                <a:solidFill>
+                  <a:schemeClr val="tx1"/>
+                </a:solidFill>
+              </a:ln>
+            </p:spPr>
+            <p:style>
+              <a:lnRef idx="1">
+                <a:schemeClr val="accent1"/>
+              </a:lnRef>
+              <a:fillRef idx="0">
+                <a:schemeClr val="accent1"/>
+              </a:fillRef>
+              <a:effectRef idx="0">
+                <a:schemeClr val="accent1"/>
+              </a:effectRef>
+              <a:fontRef idx="minor">
+                <a:schemeClr val="tx1"/>
+              </a:fontRef>
+            </p:style>
+          </p:cxnSp>
+          <p:cxnSp>
+            <p:nvCxnSpPr>
+              <p:cNvPr id="53" name="Conector recto 52">
+                <a:extLst>
+                  <a:ext uri="{FF2B5EF4-FFF2-40B4-BE49-F238E27FC236}">
+                    <a16:creationId xmlns:a16="http://schemas.microsoft.com/office/drawing/2014/main" id="{DFA93A11-9C8D-D00D-AFFD-9AB7A5F8E57D}"/>
+                  </a:ext>
+                </a:extLst>
+              </p:cNvPr>
+              <p:cNvCxnSpPr>
+                <a:cxnSpLocks/>
+              </p:cNvCxnSpPr>
+              <p:nvPr/>
+            </p:nvCxnSpPr>
+            <p:spPr>
+              <a:xfrm>
+                <a:off x="6288405" y="4897755"/>
+                <a:ext cx="140970" cy="0"/>
+              </a:xfrm>
+              <a:prstGeom prst="line">
+                <a:avLst/>
+              </a:prstGeom>
+              <a:ln w="19050">
+                <a:solidFill>
+                  <a:schemeClr val="tx1"/>
+                </a:solidFill>
+              </a:ln>
+            </p:spPr>
+            <p:style>
+              <a:lnRef idx="1">
+                <a:schemeClr val="accent1"/>
+              </a:lnRef>
+              <a:fillRef idx="0">
+                <a:schemeClr val="accent1"/>
+              </a:fillRef>
+              <a:effectRef idx="0">
+                <a:schemeClr val="accent1"/>
+              </a:effectRef>
+              <a:fontRef idx="minor">
+                <a:schemeClr val="tx1"/>
+              </a:fontRef>
+            </p:style>
+          </p:cxnSp>
+          <p:cxnSp>
+            <p:nvCxnSpPr>
+              <p:cNvPr id="55" name="Conector recto 54">
+                <a:extLst>
+                  <a:ext uri="{FF2B5EF4-FFF2-40B4-BE49-F238E27FC236}">
+                    <a16:creationId xmlns:a16="http://schemas.microsoft.com/office/drawing/2014/main" id="{5601AB90-6598-6FC1-5685-FE51A488AD58}"/>
+                  </a:ext>
+                </a:extLst>
+              </p:cNvPr>
+              <p:cNvCxnSpPr>
+                <a:cxnSpLocks/>
+              </p:cNvCxnSpPr>
+              <p:nvPr/>
+            </p:nvCxnSpPr>
+            <p:spPr>
+              <a:xfrm>
+                <a:off x="6288405" y="4932045"/>
+                <a:ext cx="140970" cy="0"/>
+              </a:xfrm>
+              <a:prstGeom prst="line">
+                <a:avLst/>
+              </a:prstGeom>
+              <a:ln w="19050">
+                <a:solidFill>
+                  <a:schemeClr val="tx1"/>
+                </a:solidFill>
+              </a:ln>
+            </p:spPr>
+            <p:style>
+              <a:lnRef idx="1">
+                <a:schemeClr val="accent1"/>
+              </a:lnRef>
+              <a:fillRef idx="0">
+                <a:schemeClr val="accent1"/>
+              </a:fillRef>
+              <a:effectRef idx="0">
+                <a:schemeClr val="accent1"/>
+              </a:effectRef>
+              <a:fontRef idx="minor">
+                <a:schemeClr val="tx1"/>
+              </a:fontRef>
+            </p:style>
+          </p:cxnSp>
+          <p:cxnSp>
+            <p:nvCxnSpPr>
+              <p:cNvPr id="57" name="Conector recto 56">
+                <a:extLst>
+                  <a:ext uri="{FF2B5EF4-FFF2-40B4-BE49-F238E27FC236}">
+                    <a16:creationId xmlns:a16="http://schemas.microsoft.com/office/drawing/2014/main" id="{65617DFE-0B41-FFCB-5E5F-F80301558B3D}"/>
+                  </a:ext>
+                </a:extLst>
+              </p:cNvPr>
+              <p:cNvCxnSpPr>
+                <a:cxnSpLocks/>
+              </p:cNvCxnSpPr>
+              <p:nvPr/>
+            </p:nvCxnSpPr>
+            <p:spPr>
+              <a:xfrm>
+                <a:off x="6288405" y="4968240"/>
+                <a:ext cx="140970" cy="0"/>
+              </a:xfrm>
+              <a:prstGeom prst="line">
+                <a:avLst/>
+              </a:prstGeom>
+              <a:ln w="19050">
+                <a:solidFill>
+                  <a:schemeClr val="tx1"/>
+                </a:solidFill>
+              </a:ln>
+            </p:spPr>
+            <p:style>
+              <a:lnRef idx="1">
+                <a:schemeClr val="accent1"/>
+              </a:lnRef>
+              <a:fillRef idx="0">
+                <a:schemeClr val="accent1"/>
+              </a:fillRef>
+              <a:effectRef idx="0">
+                <a:schemeClr val="accent1"/>
+              </a:effectRef>
+              <a:fontRef idx="minor">
+                <a:schemeClr val="tx1"/>
+              </a:fontRef>
+            </p:style>
+          </p:cxnSp>
+          <p:cxnSp>
+            <p:nvCxnSpPr>
+              <p:cNvPr id="59" name="Conector recto 58">
+                <a:extLst>
+                  <a:ext uri="{FF2B5EF4-FFF2-40B4-BE49-F238E27FC236}">
+                    <a16:creationId xmlns:a16="http://schemas.microsoft.com/office/drawing/2014/main" id="{1B6BBA86-DFC3-D1A2-6009-526861FCCD5A}"/>
+                  </a:ext>
+                </a:extLst>
+              </p:cNvPr>
+              <p:cNvCxnSpPr>
+                <a:cxnSpLocks/>
+              </p:cNvCxnSpPr>
+              <p:nvPr/>
+            </p:nvCxnSpPr>
+            <p:spPr>
+              <a:xfrm>
+                <a:off x="6288405" y="5006633"/>
+                <a:ext cx="140970" cy="0"/>
+              </a:xfrm>
+              <a:prstGeom prst="line">
+                <a:avLst/>
+              </a:prstGeom>
+              <a:ln w="19050">
+                <a:solidFill>
+                  <a:schemeClr val="tx1"/>
+                </a:solidFill>
+              </a:ln>
+            </p:spPr>
+            <p:style>
+              <a:lnRef idx="1">
+                <a:schemeClr val="accent1"/>
+              </a:lnRef>
+              <a:fillRef idx="0">
+                <a:schemeClr val="accent1"/>
+              </a:fillRef>
+              <a:effectRef idx="0">
+                <a:schemeClr val="accent1"/>
+              </a:effectRef>
+              <a:fontRef idx="minor">
+                <a:schemeClr val="tx1"/>
+              </a:fontRef>
+            </p:style>
+          </p:cxnSp>
+          <p:cxnSp>
+            <p:nvCxnSpPr>
+              <p:cNvPr id="61" name="Conector recto 60">
+                <a:extLst>
+                  <a:ext uri="{FF2B5EF4-FFF2-40B4-BE49-F238E27FC236}">
+                    <a16:creationId xmlns:a16="http://schemas.microsoft.com/office/drawing/2014/main" id="{2D8943B0-98B8-DCE0-3D53-5ECC302AACE3}"/>
+                  </a:ext>
+                </a:extLst>
+              </p:cNvPr>
+              <p:cNvCxnSpPr>
+                <a:cxnSpLocks/>
+              </p:cNvCxnSpPr>
+              <p:nvPr/>
+            </p:nvCxnSpPr>
+            <p:spPr>
+              <a:xfrm>
+                <a:off x="6288405" y="5040630"/>
+                <a:ext cx="140970" cy="0"/>
+              </a:xfrm>
+              <a:prstGeom prst="line">
+                <a:avLst/>
+              </a:prstGeom>
+              <a:ln w="19050">
+                <a:solidFill>
+                  <a:schemeClr val="tx1"/>
+                </a:solidFill>
+              </a:ln>
+            </p:spPr>
+            <p:style>
+              <a:lnRef idx="1">
+                <a:schemeClr val="accent1"/>
+              </a:lnRef>
+              <a:fillRef idx="0">
+                <a:schemeClr val="accent1"/>
+              </a:fillRef>
+              <a:effectRef idx="0">
+                <a:schemeClr val="accent1"/>
+              </a:effectRef>
+              <a:fontRef idx="minor">
+                <a:schemeClr val="tx1"/>
+              </a:fontRef>
+            </p:style>
+          </p:cxnSp>
+        </p:grpSp>
+        <p:grpSp>
+          <p:nvGrpSpPr>
+            <p:cNvPr id="38" name="Grupo 37">
+              <a:extLst>
+                <a:ext uri="{FF2B5EF4-FFF2-40B4-BE49-F238E27FC236}">
+                  <a16:creationId xmlns:a16="http://schemas.microsoft.com/office/drawing/2014/main" id="{A0FA7FFE-70FB-DE01-E5B6-871378BA6840}"/>
+                </a:ext>
+              </a:extLst>
+            </p:cNvPr>
+            <p:cNvGrpSpPr/>
+            <p:nvPr/>
+          </p:nvGrpSpPr>
+          <p:grpSpPr>
+            <a:xfrm>
+              <a:off x="6785610" y="4863465"/>
+              <a:ext cx="140970" cy="177165"/>
+              <a:chOff x="6288405" y="4863465"/>
+              <a:chExt cx="140970" cy="177165"/>
+            </a:xfrm>
+          </p:grpSpPr>
+          <p:cxnSp>
+            <p:nvCxnSpPr>
+              <p:cNvPr id="41" name="Conector recto 40">
+                <a:extLst>
+                  <a:ext uri="{FF2B5EF4-FFF2-40B4-BE49-F238E27FC236}">
+                    <a16:creationId xmlns:a16="http://schemas.microsoft.com/office/drawing/2014/main" id="{4C616E25-882D-FB9A-0104-F4AF8AED7FF7}"/>
+                  </a:ext>
+                </a:extLst>
+              </p:cNvPr>
+              <p:cNvCxnSpPr>
+                <a:cxnSpLocks/>
+              </p:cNvCxnSpPr>
+              <p:nvPr/>
+            </p:nvCxnSpPr>
+            <p:spPr>
+              <a:xfrm>
+                <a:off x="6288405" y="4863465"/>
+                <a:ext cx="140970" cy="0"/>
+              </a:xfrm>
+              <a:prstGeom prst="line">
+                <a:avLst/>
+              </a:prstGeom>
+              <a:ln w="19050">
+                <a:solidFill>
+                  <a:schemeClr val="tx1"/>
+                </a:solidFill>
+              </a:ln>
+            </p:spPr>
+            <p:style>
+              <a:lnRef idx="1">
+                <a:schemeClr val="accent1"/>
+              </a:lnRef>
+              <a:fillRef idx="0">
+                <a:schemeClr val="accent1"/>
+              </a:fillRef>
+              <a:effectRef idx="0">
+                <a:schemeClr val="accent1"/>
+              </a:effectRef>
+              <a:fontRef idx="minor">
+                <a:schemeClr val="tx1"/>
+              </a:fontRef>
+            </p:style>
+          </p:cxnSp>
+          <p:cxnSp>
+            <p:nvCxnSpPr>
+              <p:cNvPr id="43" name="Conector recto 42">
+                <a:extLst>
+                  <a:ext uri="{FF2B5EF4-FFF2-40B4-BE49-F238E27FC236}">
+                    <a16:creationId xmlns:a16="http://schemas.microsoft.com/office/drawing/2014/main" id="{3AF2F8B3-7A82-B7A4-C785-F0914E47A54F}"/>
+                  </a:ext>
+                </a:extLst>
+              </p:cNvPr>
+              <p:cNvCxnSpPr>
+                <a:cxnSpLocks/>
+              </p:cNvCxnSpPr>
+              <p:nvPr/>
+            </p:nvCxnSpPr>
+            <p:spPr>
+              <a:xfrm>
+                <a:off x="6288405" y="4897755"/>
+                <a:ext cx="140970" cy="0"/>
+              </a:xfrm>
+              <a:prstGeom prst="line">
+                <a:avLst/>
+              </a:prstGeom>
+              <a:ln w="19050">
+                <a:solidFill>
+                  <a:schemeClr val="tx1"/>
+                </a:solidFill>
+              </a:ln>
+            </p:spPr>
+            <p:style>
+              <a:lnRef idx="1">
+                <a:schemeClr val="accent1"/>
+              </a:lnRef>
+              <a:fillRef idx="0">
+                <a:schemeClr val="accent1"/>
+              </a:fillRef>
+              <a:effectRef idx="0">
+                <a:schemeClr val="accent1"/>
+              </a:effectRef>
+              <a:fontRef idx="minor">
+                <a:schemeClr val="tx1"/>
+              </a:fontRef>
+            </p:style>
+          </p:cxnSp>
+          <p:cxnSp>
+            <p:nvCxnSpPr>
+              <p:cNvPr id="45" name="Conector recto 44">
+                <a:extLst>
+                  <a:ext uri="{FF2B5EF4-FFF2-40B4-BE49-F238E27FC236}">
+                    <a16:creationId xmlns:a16="http://schemas.microsoft.com/office/drawing/2014/main" id="{1F9019BE-DE35-301A-5A1C-726A160C74B2}"/>
+                  </a:ext>
+                </a:extLst>
+              </p:cNvPr>
+              <p:cNvCxnSpPr>
+                <a:cxnSpLocks/>
+              </p:cNvCxnSpPr>
+              <p:nvPr/>
+            </p:nvCxnSpPr>
+            <p:spPr>
+              <a:xfrm>
+                <a:off x="6288405" y="4932045"/>
+                <a:ext cx="140970" cy="0"/>
+              </a:xfrm>
+              <a:prstGeom prst="line">
+                <a:avLst/>
+              </a:prstGeom>
+              <a:ln w="19050">
+                <a:solidFill>
+                  <a:schemeClr val="tx1"/>
+                </a:solidFill>
+              </a:ln>
+            </p:spPr>
+            <p:style>
+              <a:lnRef idx="1">
+                <a:schemeClr val="accent1"/>
+              </a:lnRef>
+              <a:fillRef idx="0">
+                <a:schemeClr val="accent1"/>
+              </a:fillRef>
+              <a:effectRef idx="0">
+                <a:schemeClr val="accent1"/>
+              </a:effectRef>
+              <a:fontRef idx="minor">
+                <a:schemeClr val="tx1"/>
+              </a:fontRef>
+            </p:style>
+          </p:cxnSp>
+          <p:cxnSp>
+            <p:nvCxnSpPr>
+              <p:cNvPr id="46" name="Conector recto 45">
+                <a:extLst>
+                  <a:ext uri="{FF2B5EF4-FFF2-40B4-BE49-F238E27FC236}">
+                    <a16:creationId xmlns:a16="http://schemas.microsoft.com/office/drawing/2014/main" id="{DF59E9D0-9710-CB5D-6D82-7E764D4C2E45}"/>
+                  </a:ext>
+                </a:extLst>
+              </p:cNvPr>
+              <p:cNvCxnSpPr>
+                <a:cxnSpLocks/>
+              </p:cNvCxnSpPr>
+              <p:nvPr/>
+            </p:nvCxnSpPr>
+            <p:spPr>
+              <a:xfrm>
+                <a:off x="6288405" y="4968240"/>
+                <a:ext cx="140970" cy="0"/>
+              </a:xfrm>
+              <a:prstGeom prst="line">
+                <a:avLst/>
+              </a:prstGeom>
+              <a:ln w="19050">
+                <a:solidFill>
+                  <a:schemeClr val="tx1"/>
+                </a:solidFill>
+              </a:ln>
+            </p:spPr>
+            <p:style>
+              <a:lnRef idx="1">
+                <a:schemeClr val="accent1"/>
+              </a:lnRef>
+              <a:fillRef idx="0">
+                <a:schemeClr val="accent1"/>
+              </a:fillRef>
+              <a:effectRef idx="0">
+                <a:schemeClr val="accent1"/>
+              </a:effectRef>
+              <a:fontRef idx="minor">
+                <a:schemeClr val="tx1"/>
+              </a:fontRef>
+            </p:style>
+          </p:cxnSp>
+          <p:cxnSp>
+            <p:nvCxnSpPr>
+              <p:cNvPr id="48" name="Conector recto 47">
+                <a:extLst>
+                  <a:ext uri="{FF2B5EF4-FFF2-40B4-BE49-F238E27FC236}">
+                    <a16:creationId xmlns:a16="http://schemas.microsoft.com/office/drawing/2014/main" id="{12D5C6E6-C326-E839-A292-D5C5CFD801D0}"/>
+                  </a:ext>
+                </a:extLst>
+              </p:cNvPr>
+              <p:cNvCxnSpPr>
+                <a:cxnSpLocks/>
+              </p:cNvCxnSpPr>
+              <p:nvPr/>
+            </p:nvCxnSpPr>
+            <p:spPr>
+              <a:xfrm>
+                <a:off x="6288405" y="5006633"/>
+                <a:ext cx="140970" cy="0"/>
+              </a:xfrm>
+              <a:prstGeom prst="line">
+                <a:avLst/>
+              </a:prstGeom>
+              <a:ln w="19050">
+                <a:solidFill>
+                  <a:schemeClr val="tx1"/>
+                </a:solidFill>
+              </a:ln>
+            </p:spPr>
+            <p:style>
+              <a:lnRef idx="1">
+                <a:schemeClr val="accent1"/>
+              </a:lnRef>
+              <a:fillRef idx="0">
+                <a:schemeClr val="accent1"/>
+              </a:fillRef>
+              <a:effectRef idx="0">
+                <a:schemeClr val="accent1"/>
+              </a:effectRef>
+              <a:fontRef idx="minor">
+                <a:schemeClr val="tx1"/>
+              </a:fontRef>
+            </p:style>
+          </p:cxnSp>
+          <p:cxnSp>
+            <p:nvCxnSpPr>
+              <p:cNvPr id="50" name="Conector recto 49">
+                <a:extLst>
+                  <a:ext uri="{FF2B5EF4-FFF2-40B4-BE49-F238E27FC236}">
+                    <a16:creationId xmlns:a16="http://schemas.microsoft.com/office/drawing/2014/main" id="{12F37AEC-0EB7-DE5B-7DE2-2C8466CABF23}"/>
+                  </a:ext>
+                </a:extLst>
+              </p:cNvPr>
+              <p:cNvCxnSpPr>
+                <a:cxnSpLocks/>
+              </p:cNvCxnSpPr>
+              <p:nvPr/>
+            </p:nvCxnSpPr>
+            <p:spPr>
+              <a:xfrm>
+                <a:off x="6288405" y="5040630"/>
+                <a:ext cx="140970" cy="0"/>
+              </a:xfrm>
+              <a:prstGeom prst="line">
+                <a:avLst/>
+              </a:prstGeom>
+              <a:ln w="19050">
+                <a:solidFill>
+                  <a:schemeClr val="tx1"/>
+                </a:solidFill>
+              </a:ln>
+            </p:spPr>
+            <p:style>
+              <a:lnRef idx="1">
+                <a:schemeClr val="accent1"/>
+              </a:lnRef>
+              <a:fillRef idx="0">
+                <a:schemeClr val="accent1"/>
+              </a:fillRef>
+              <a:effectRef idx="0">
+                <a:schemeClr val="accent1"/>
+              </a:effectRef>
+              <a:fontRef idx="minor">
+                <a:schemeClr val="tx1"/>
+              </a:fontRef>
+            </p:style>
+          </p:cxnSp>
+        </p:grpSp>
+        <p:sp>
+          <p:nvSpPr>
+            <p:cNvPr id="39" name="Elipse 38">
+              <a:extLst>
+                <a:ext uri="{FF2B5EF4-FFF2-40B4-BE49-F238E27FC236}">
+                  <a16:creationId xmlns:a16="http://schemas.microsoft.com/office/drawing/2014/main" id="{22A50886-5093-4263-E174-4D955513C787}"/>
+                </a:ext>
+              </a:extLst>
+            </p:cNvPr>
+            <p:cNvSpPr/>
+            <p:nvPr/>
+          </p:nvSpPr>
+          <p:spPr>
+            <a:xfrm>
+              <a:off x="6852285" y="5124459"/>
+              <a:ext cx="64770" cy="59046"/>
+            </a:xfrm>
+            <a:prstGeom prst="ellipse">
+              <a:avLst/>
+            </a:prstGeom>
+            <a:solidFill>
+              <a:srgbClr val="C00000"/>
+            </a:solidFill>
+            <a:ln>
+              <a:noFill/>
+            </a:ln>
+          </p:spPr>
+          <p:style>
+            <a:lnRef idx="2">
+              <a:schemeClr val="accent1">
+                <a:shade val="15000"/>
+              </a:schemeClr>
+            </a:lnRef>
+            <a:fillRef idx="1">
+              <a:schemeClr val="accent1"/>
+            </a:fillRef>
+            <a:effectRef idx="0">
+              <a:schemeClr val="accent1"/>
+            </a:effectRef>
+            <a:fontRef idx="minor">
+              <a:schemeClr val="lt1"/>
+            </a:fontRef>
+          </p:style>
+          <p:txBody>
+            <a:bodyPr rtlCol="0" anchor="ctr"/>
+            <a:lstStyle/>
+            <a:p>
+              <a:pPr algn="ctr"/>
+              <a:endParaRPr lang="es-EC"/>
+            </a:p>
+          </p:txBody>
+        </p:sp>
+      </p:grpSp>
+      <p:grpSp>
+        <p:nvGrpSpPr>
+          <p:cNvPr id="63" name="Grupo 62">
+            <a:extLst>
+              <a:ext uri="{FF2B5EF4-FFF2-40B4-BE49-F238E27FC236}">
+                <a16:creationId xmlns:a16="http://schemas.microsoft.com/office/drawing/2014/main" id="{CE611149-E96E-31C2-694E-D3469BBB07E0}"/>
+              </a:ext>
+            </a:extLst>
+          </p:cNvPr>
+          <p:cNvGrpSpPr/>
+          <p:nvPr/>
+        </p:nvGrpSpPr>
+        <p:grpSpPr>
+          <a:xfrm>
+            <a:off x="8371351" y="5500253"/>
+            <a:ext cx="758336" cy="1110036"/>
+            <a:chOff x="6221584" y="4794885"/>
+            <a:chExt cx="758336" cy="900229"/>
+          </a:xfrm>
+        </p:grpSpPr>
+        <p:sp>
+          <p:nvSpPr>
+            <p:cNvPr id="65" name="Rectángulo 64">
+              <a:extLst>
+                <a:ext uri="{FF2B5EF4-FFF2-40B4-BE49-F238E27FC236}">
+                  <a16:creationId xmlns:a16="http://schemas.microsoft.com/office/drawing/2014/main" id="{AA71EE9F-D51D-1684-4130-C46A6F687D75}"/>
+                </a:ext>
+              </a:extLst>
+            </p:cNvPr>
+            <p:cNvSpPr/>
+            <p:nvPr/>
+          </p:nvSpPr>
+          <p:spPr>
+            <a:xfrm>
+              <a:off x="6221584" y="4794885"/>
+              <a:ext cx="758336" cy="423496"/>
+            </a:xfrm>
+            <a:prstGeom prst="rect">
+              <a:avLst/>
+            </a:prstGeom>
+            <a:solidFill>
+              <a:schemeClr val="bg2">
+                <a:lumMod val="50000"/>
+              </a:schemeClr>
+            </a:solidFill>
+            <a:ln>
+              <a:solidFill>
+                <a:schemeClr val="tx1"/>
+              </a:solidFill>
+            </a:ln>
+          </p:spPr>
+          <p:style>
+            <a:lnRef idx="2">
+              <a:schemeClr val="accent1">
+                <a:shade val="15000"/>
+              </a:schemeClr>
+            </a:lnRef>
+            <a:fillRef idx="1">
+              <a:schemeClr val="accent1"/>
+            </a:fillRef>
+            <a:effectRef idx="0">
+              <a:schemeClr val="accent1"/>
+            </a:effectRef>
+            <a:fontRef idx="minor">
+              <a:schemeClr val="lt1"/>
+            </a:fontRef>
+          </p:style>
+          <p:txBody>
+            <a:bodyPr rtlCol="0" anchor="ctr"/>
+            <a:lstStyle/>
+            <a:p>
+              <a:pPr algn="ctr"/>
+              <a:endParaRPr lang="es-EC">
+                <a:ln>
+                  <a:solidFill>
+                    <a:schemeClr val="bg2">
+                      <a:lumMod val="75000"/>
+                    </a:schemeClr>
+                  </a:solidFill>
+                </a:ln>
+                <a:solidFill>
+                  <a:schemeClr val="bg2">
+                    <a:lumMod val="75000"/>
+                  </a:schemeClr>
+                </a:solidFill>
+              </a:endParaRPr>
+            </a:p>
+          </p:txBody>
+        </p:sp>
+        <p:sp>
+          <p:nvSpPr>
+            <p:cNvPr id="67" name="Rectángulo 66">
+              <a:extLst>
+                <a:ext uri="{FF2B5EF4-FFF2-40B4-BE49-F238E27FC236}">
+                  <a16:creationId xmlns:a16="http://schemas.microsoft.com/office/drawing/2014/main" id="{6388D3AF-A03D-AF61-9957-8D79F29281F6}"/>
+                </a:ext>
+              </a:extLst>
+            </p:cNvPr>
+            <p:cNvSpPr/>
+            <p:nvPr/>
+          </p:nvSpPr>
+          <p:spPr>
+            <a:xfrm>
+              <a:off x="6494569" y="5218381"/>
+              <a:ext cx="212362" cy="107266"/>
+            </a:xfrm>
+            <a:prstGeom prst="rect">
+              <a:avLst/>
+            </a:prstGeom>
+            <a:solidFill>
+              <a:schemeClr val="bg2">
+                <a:lumMod val="50000"/>
+              </a:schemeClr>
+            </a:solidFill>
+            <a:ln>
+              <a:solidFill>
+                <a:schemeClr val="tx1"/>
+              </a:solidFill>
+            </a:ln>
+          </p:spPr>
+          <p:style>
+            <a:lnRef idx="2">
+              <a:schemeClr val="accent1">
+                <a:shade val="15000"/>
+              </a:schemeClr>
+            </a:lnRef>
+            <a:fillRef idx="1">
+              <a:schemeClr val="accent1"/>
+            </a:fillRef>
+            <a:effectRef idx="0">
+              <a:schemeClr val="accent1"/>
+            </a:effectRef>
+            <a:fontRef idx="minor">
+              <a:schemeClr val="lt1"/>
+            </a:fontRef>
+          </p:style>
+          <p:txBody>
+            <a:bodyPr rtlCol="0" anchor="ctr"/>
+            <a:lstStyle/>
+            <a:p>
+              <a:pPr algn="ctr"/>
+              <a:endParaRPr lang="es-EC">
+                <a:ln>
+                  <a:solidFill>
+                    <a:schemeClr val="bg2">
+                      <a:lumMod val="75000"/>
+                    </a:schemeClr>
+                  </a:solidFill>
+                </a:ln>
+                <a:solidFill>
+                  <a:schemeClr val="bg2">
+                    <a:lumMod val="75000"/>
+                  </a:schemeClr>
+                </a:solidFill>
+              </a:endParaRPr>
+            </a:p>
+          </p:txBody>
+        </p:sp>
+        <p:sp>
+          <p:nvSpPr>
+            <p:cNvPr id="69" name="Rectángulo 68">
+              <a:extLst>
+                <a:ext uri="{FF2B5EF4-FFF2-40B4-BE49-F238E27FC236}">
+                  <a16:creationId xmlns:a16="http://schemas.microsoft.com/office/drawing/2014/main" id="{D2443948-840E-BEC7-2F66-97BA4FA1978B}"/>
+                </a:ext>
+              </a:extLst>
+            </p:cNvPr>
+            <p:cNvSpPr/>
+            <p:nvPr/>
+          </p:nvSpPr>
+          <p:spPr>
+            <a:xfrm>
+              <a:off x="6550327" y="5326716"/>
+              <a:ext cx="100845" cy="368398"/>
+            </a:xfrm>
+            <a:prstGeom prst="rect">
+              <a:avLst/>
+            </a:prstGeom>
+            <a:solidFill>
+              <a:schemeClr val="bg2">
+                <a:lumMod val="50000"/>
+              </a:schemeClr>
+            </a:solidFill>
+            <a:ln>
+              <a:solidFill>
+                <a:schemeClr val="tx1"/>
+              </a:solidFill>
+            </a:ln>
+          </p:spPr>
+          <p:style>
+            <a:lnRef idx="2">
+              <a:schemeClr val="accent1">
+                <a:shade val="15000"/>
+              </a:schemeClr>
+            </a:lnRef>
+            <a:fillRef idx="1">
+              <a:schemeClr val="accent1"/>
+            </a:fillRef>
+            <a:effectRef idx="0">
+              <a:schemeClr val="accent1"/>
+            </a:effectRef>
+            <a:fontRef idx="minor">
+              <a:schemeClr val="lt1"/>
+            </a:fontRef>
+          </p:style>
+          <p:txBody>
+            <a:bodyPr rtlCol="0" anchor="ctr"/>
+            <a:lstStyle/>
+            <a:p>
+              <a:pPr algn="ctr"/>
+              <a:endParaRPr lang="es-EC" dirty="0">
+                <a:ln>
+                  <a:solidFill>
+                    <a:schemeClr val="bg2">
+                      <a:lumMod val="75000"/>
+                    </a:schemeClr>
+                  </a:solidFill>
+                </a:ln>
+                <a:solidFill>
+                  <a:schemeClr val="bg2">
+                    <a:lumMod val="75000"/>
+                  </a:schemeClr>
+                </a:solidFill>
+              </a:endParaRPr>
+            </a:p>
+          </p:txBody>
+        </p:sp>
+        <p:grpSp>
+          <p:nvGrpSpPr>
+            <p:cNvPr id="71" name="Grupo 70">
+              <a:extLst>
+                <a:ext uri="{FF2B5EF4-FFF2-40B4-BE49-F238E27FC236}">
+                  <a16:creationId xmlns:a16="http://schemas.microsoft.com/office/drawing/2014/main" id="{A258A8DD-42C6-45E1-8937-A1939019CFD9}"/>
+                </a:ext>
+              </a:extLst>
+            </p:cNvPr>
+            <p:cNvGrpSpPr/>
+            <p:nvPr/>
+          </p:nvGrpSpPr>
+          <p:grpSpPr>
+            <a:xfrm>
+              <a:off x="6256020" y="4862903"/>
+              <a:ext cx="140970" cy="177165"/>
+              <a:chOff x="6256020" y="4862903"/>
+              <a:chExt cx="140970" cy="177165"/>
+            </a:xfrm>
+          </p:grpSpPr>
+          <p:cxnSp>
+            <p:nvCxnSpPr>
+              <p:cNvPr id="87" name="Conector recto 86">
+                <a:extLst>
+                  <a:ext uri="{FF2B5EF4-FFF2-40B4-BE49-F238E27FC236}">
+                    <a16:creationId xmlns:a16="http://schemas.microsoft.com/office/drawing/2014/main" id="{7BB28CDB-FE6C-4169-EB80-F9D6D57D6A3D}"/>
+                  </a:ext>
+                </a:extLst>
+              </p:cNvPr>
+              <p:cNvCxnSpPr>
+                <a:cxnSpLocks/>
+              </p:cNvCxnSpPr>
+              <p:nvPr/>
+            </p:nvCxnSpPr>
+            <p:spPr>
+              <a:xfrm>
+                <a:off x="6256020" y="4862903"/>
+                <a:ext cx="140970" cy="0"/>
+              </a:xfrm>
+              <a:prstGeom prst="line">
+                <a:avLst/>
+              </a:prstGeom>
+              <a:ln w="19050">
+                <a:solidFill>
+                  <a:schemeClr val="tx1"/>
+                </a:solidFill>
+              </a:ln>
+            </p:spPr>
+            <p:style>
+              <a:lnRef idx="1">
+                <a:schemeClr val="accent1"/>
+              </a:lnRef>
+              <a:fillRef idx="0">
+                <a:schemeClr val="accent1"/>
+              </a:fillRef>
+              <a:effectRef idx="0">
+                <a:schemeClr val="accent1"/>
+              </a:effectRef>
+              <a:fontRef idx="minor">
+                <a:schemeClr val="tx1"/>
+              </a:fontRef>
+            </p:style>
+          </p:cxnSp>
+          <p:cxnSp>
+            <p:nvCxnSpPr>
+              <p:cNvPr id="89" name="Conector recto 88">
+                <a:extLst>
+                  <a:ext uri="{FF2B5EF4-FFF2-40B4-BE49-F238E27FC236}">
+                    <a16:creationId xmlns:a16="http://schemas.microsoft.com/office/drawing/2014/main" id="{D2ACEF40-3E24-5B2A-7C15-679859A590E1}"/>
+                  </a:ext>
+                </a:extLst>
+              </p:cNvPr>
+              <p:cNvCxnSpPr>
+                <a:cxnSpLocks/>
+              </p:cNvCxnSpPr>
+              <p:nvPr/>
+            </p:nvCxnSpPr>
+            <p:spPr>
+              <a:xfrm>
+                <a:off x="6256020" y="4897194"/>
+                <a:ext cx="140970" cy="0"/>
+              </a:xfrm>
+              <a:prstGeom prst="line">
+                <a:avLst/>
+              </a:prstGeom>
+              <a:ln w="19050">
+                <a:solidFill>
+                  <a:schemeClr val="tx1"/>
+                </a:solidFill>
+              </a:ln>
+            </p:spPr>
+            <p:style>
+              <a:lnRef idx="1">
+                <a:schemeClr val="accent1"/>
+              </a:lnRef>
+              <a:fillRef idx="0">
+                <a:schemeClr val="accent1"/>
+              </a:fillRef>
+              <a:effectRef idx="0">
+                <a:schemeClr val="accent1"/>
+              </a:effectRef>
+              <a:fontRef idx="minor">
+                <a:schemeClr val="tx1"/>
+              </a:fontRef>
+            </p:style>
+          </p:cxnSp>
+          <p:cxnSp>
+            <p:nvCxnSpPr>
+              <p:cNvPr id="91" name="Conector recto 90">
+                <a:extLst>
+                  <a:ext uri="{FF2B5EF4-FFF2-40B4-BE49-F238E27FC236}">
+                    <a16:creationId xmlns:a16="http://schemas.microsoft.com/office/drawing/2014/main" id="{5356A0C4-7E90-54CB-8714-4BCF3C0F9CD7}"/>
+                  </a:ext>
+                </a:extLst>
+              </p:cNvPr>
+              <p:cNvCxnSpPr>
+                <a:cxnSpLocks/>
+              </p:cNvCxnSpPr>
+              <p:nvPr/>
+            </p:nvCxnSpPr>
+            <p:spPr>
+              <a:xfrm>
+                <a:off x="6256020" y="4931483"/>
+                <a:ext cx="140970" cy="0"/>
+              </a:xfrm>
+              <a:prstGeom prst="line">
+                <a:avLst/>
+              </a:prstGeom>
+              <a:ln w="19050">
+                <a:solidFill>
+                  <a:schemeClr val="tx1"/>
+                </a:solidFill>
+              </a:ln>
+            </p:spPr>
+            <p:style>
+              <a:lnRef idx="1">
+                <a:schemeClr val="accent1"/>
+              </a:lnRef>
+              <a:fillRef idx="0">
+                <a:schemeClr val="accent1"/>
+              </a:fillRef>
+              <a:effectRef idx="0">
+                <a:schemeClr val="accent1"/>
+              </a:effectRef>
+              <a:fontRef idx="minor">
+                <a:schemeClr val="tx1"/>
+              </a:fontRef>
+            </p:style>
+          </p:cxnSp>
+          <p:cxnSp>
+            <p:nvCxnSpPr>
+              <p:cNvPr id="92" name="Conector recto 91">
+                <a:extLst>
+                  <a:ext uri="{FF2B5EF4-FFF2-40B4-BE49-F238E27FC236}">
+                    <a16:creationId xmlns:a16="http://schemas.microsoft.com/office/drawing/2014/main" id="{3F108B98-D91F-80F1-C781-5CDC4A3B7ACA}"/>
+                  </a:ext>
+                </a:extLst>
+              </p:cNvPr>
+              <p:cNvCxnSpPr>
+                <a:cxnSpLocks/>
+              </p:cNvCxnSpPr>
+              <p:nvPr/>
+            </p:nvCxnSpPr>
+            <p:spPr>
+              <a:xfrm>
+                <a:off x="6256020" y="4967679"/>
+                <a:ext cx="140970" cy="0"/>
+              </a:xfrm>
+              <a:prstGeom prst="line">
+                <a:avLst/>
+              </a:prstGeom>
+              <a:ln w="19050">
+                <a:solidFill>
+                  <a:schemeClr val="tx1"/>
+                </a:solidFill>
+              </a:ln>
+            </p:spPr>
+            <p:style>
+              <a:lnRef idx="1">
+                <a:schemeClr val="accent1"/>
+              </a:lnRef>
+              <a:fillRef idx="0">
+                <a:schemeClr val="accent1"/>
+              </a:fillRef>
+              <a:effectRef idx="0">
+                <a:schemeClr val="accent1"/>
+              </a:effectRef>
+              <a:fontRef idx="minor">
+                <a:schemeClr val="tx1"/>
+              </a:fontRef>
+            </p:style>
+          </p:cxnSp>
+          <p:cxnSp>
+            <p:nvCxnSpPr>
+              <p:cNvPr id="93" name="Conector recto 92">
+                <a:extLst>
+                  <a:ext uri="{FF2B5EF4-FFF2-40B4-BE49-F238E27FC236}">
+                    <a16:creationId xmlns:a16="http://schemas.microsoft.com/office/drawing/2014/main" id="{989F31F4-DC63-F617-5134-3E26DFD6CDEA}"/>
+                  </a:ext>
+                </a:extLst>
+              </p:cNvPr>
+              <p:cNvCxnSpPr>
+                <a:cxnSpLocks/>
+              </p:cNvCxnSpPr>
+              <p:nvPr/>
+            </p:nvCxnSpPr>
+            <p:spPr>
+              <a:xfrm>
+                <a:off x="6256020" y="5006072"/>
+                <a:ext cx="140970" cy="0"/>
+              </a:xfrm>
+              <a:prstGeom prst="line">
+                <a:avLst/>
+              </a:prstGeom>
+              <a:ln w="19050">
+                <a:solidFill>
+                  <a:schemeClr val="tx1"/>
+                </a:solidFill>
+              </a:ln>
+            </p:spPr>
+            <p:style>
+              <a:lnRef idx="1">
+                <a:schemeClr val="accent1"/>
+              </a:lnRef>
+              <a:fillRef idx="0">
+                <a:schemeClr val="accent1"/>
+              </a:fillRef>
+              <a:effectRef idx="0">
+                <a:schemeClr val="accent1"/>
+              </a:effectRef>
+              <a:fontRef idx="minor">
+                <a:schemeClr val="tx1"/>
+              </a:fontRef>
+            </p:style>
+          </p:cxnSp>
+          <p:cxnSp>
+            <p:nvCxnSpPr>
+              <p:cNvPr id="95" name="Conector recto 94">
+                <a:extLst>
+                  <a:ext uri="{FF2B5EF4-FFF2-40B4-BE49-F238E27FC236}">
+                    <a16:creationId xmlns:a16="http://schemas.microsoft.com/office/drawing/2014/main" id="{806B1873-D88C-2808-7303-DEB531A0C8CD}"/>
+                  </a:ext>
+                </a:extLst>
+              </p:cNvPr>
+              <p:cNvCxnSpPr>
+                <a:cxnSpLocks/>
+              </p:cNvCxnSpPr>
+              <p:nvPr/>
+            </p:nvCxnSpPr>
+            <p:spPr>
+              <a:xfrm>
+                <a:off x="6256020" y="5040068"/>
+                <a:ext cx="140970" cy="0"/>
+              </a:xfrm>
+              <a:prstGeom prst="line">
+                <a:avLst/>
+              </a:prstGeom>
+              <a:ln w="19050">
+                <a:solidFill>
+                  <a:schemeClr val="tx1"/>
+                </a:solidFill>
+              </a:ln>
+            </p:spPr>
+            <p:style>
+              <a:lnRef idx="1">
+                <a:schemeClr val="accent1"/>
+              </a:lnRef>
+              <a:fillRef idx="0">
+                <a:schemeClr val="accent1"/>
+              </a:fillRef>
+              <a:effectRef idx="0">
+                <a:schemeClr val="accent1"/>
+              </a:effectRef>
+              <a:fontRef idx="minor">
+                <a:schemeClr val="tx1"/>
+              </a:fontRef>
+            </p:style>
+          </p:cxnSp>
+        </p:grpSp>
+        <p:grpSp>
+          <p:nvGrpSpPr>
+            <p:cNvPr id="73" name="Grupo 72">
+              <a:extLst>
+                <a:ext uri="{FF2B5EF4-FFF2-40B4-BE49-F238E27FC236}">
+                  <a16:creationId xmlns:a16="http://schemas.microsoft.com/office/drawing/2014/main" id="{1FC7D717-F1C4-9063-7147-E6B4E007E8DB}"/>
+                </a:ext>
+              </a:extLst>
+            </p:cNvPr>
+            <p:cNvGrpSpPr/>
+            <p:nvPr/>
+          </p:nvGrpSpPr>
+          <p:grpSpPr>
+            <a:xfrm>
+              <a:off x="6810330" y="4862904"/>
+              <a:ext cx="140970" cy="177165"/>
+              <a:chOff x="6313125" y="4862904"/>
+              <a:chExt cx="140970" cy="177165"/>
+            </a:xfrm>
+          </p:grpSpPr>
+          <p:cxnSp>
+            <p:nvCxnSpPr>
+              <p:cNvPr id="76" name="Conector recto 75">
+                <a:extLst>
+                  <a:ext uri="{FF2B5EF4-FFF2-40B4-BE49-F238E27FC236}">
+                    <a16:creationId xmlns:a16="http://schemas.microsoft.com/office/drawing/2014/main" id="{2436C1DA-359B-1C6B-8827-A02406B7C8FC}"/>
+                  </a:ext>
+                </a:extLst>
+              </p:cNvPr>
+              <p:cNvCxnSpPr>
+                <a:cxnSpLocks/>
+              </p:cNvCxnSpPr>
+              <p:nvPr/>
+            </p:nvCxnSpPr>
+            <p:spPr>
+              <a:xfrm>
+                <a:off x="6313125" y="4862904"/>
+                <a:ext cx="140970" cy="0"/>
+              </a:xfrm>
+              <a:prstGeom prst="line">
+                <a:avLst/>
+              </a:prstGeom>
+              <a:ln w="19050">
+                <a:solidFill>
+                  <a:schemeClr val="tx1"/>
+                </a:solidFill>
+              </a:ln>
+            </p:spPr>
+            <p:style>
+              <a:lnRef idx="1">
+                <a:schemeClr val="accent1"/>
+              </a:lnRef>
+              <a:fillRef idx="0">
+                <a:schemeClr val="accent1"/>
+              </a:fillRef>
+              <a:effectRef idx="0">
+                <a:schemeClr val="accent1"/>
+              </a:effectRef>
+              <a:fontRef idx="minor">
+                <a:schemeClr val="tx1"/>
+              </a:fontRef>
+            </p:style>
+          </p:cxnSp>
+          <p:cxnSp>
+            <p:nvCxnSpPr>
+              <p:cNvPr id="78" name="Conector recto 77">
+                <a:extLst>
+                  <a:ext uri="{FF2B5EF4-FFF2-40B4-BE49-F238E27FC236}">
+                    <a16:creationId xmlns:a16="http://schemas.microsoft.com/office/drawing/2014/main" id="{F857DFD4-2052-B542-5CB6-EBCDC05A4794}"/>
+                  </a:ext>
+                </a:extLst>
+              </p:cNvPr>
+              <p:cNvCxnSpPr>
+                <a:cxnSpLocks/>
+              </p:cNvCxnSpPr>
+              <p:nvPr/>
+            </p:nvCxnSpPr>
+            <p:spPr>
+              <a:xfrm>
+                <a:off x="6313125" y="4897194"/>
+                <a:ext cx="140970" cy="0"/>
+              </a:xfrm>
+              <a:prstGeom prst="line">
+                <a:avLst/>
+              </a:prstGeom>
+              <a:ln w="19050">
+                <a:solidFill>
+                  <a:schemeClr val="tx1"/>
+                </a:solidFill>
+              </a:ln>
+            </p:spPr>
+            <p:style>
+              <a:lnRef idx="1">
+                <a:schemeClr val="accent1"/>
+              </a:lnRef>
+              <a:fillRef idx="0">
+                <a:schemeClr val="accent1"/>
+              </a:fillRef>
+              <a:effectRef idx="0">
+                <a:schemeClr val="accent1"/>
+              </a:effectRef>
+              <a:fontRef idx="minor">
+                <a:schemeClr val="tx1"/>
+              </a:fontRef>
+            </p:style>
+          </p:cxnSp>
+          <p:cxnSp>
+            <p:nvCxnSpPr>
+              <p:cNvPr id="80" name="Conector recto 79">
+                <a:extLst>
+                  <a:ext uri="{FF2B5EF4-FFF2-40B4-BE49-F238E27FC236}">
+                    <a16:creationId xmlns:a16="http://schemas.microsoft.com/office/drawing/2014/main" id="{A18CBBA7-098D-5F39-5479-6C136B407D82}"/>
+                  </a:ext>
+                </a:extLst>
+              </p:cNvPr>
+              <p:cNvCxnSpPr>
+                <a:cxnSpLocks/>
+              </p:cNvCxnSpPr>
+              <p:nvPr/>
+            </p:nvCxnSpPr>
+            <p:spPr>
+              <a:xfrm>
+                <a:off x="6313125" y="4931484"/>
+                <a:ext cx="140970" cy="0"/>
+              </a:xfrm>
+              <a:prstGeom prst="line">
+                <a:avLst/>
+              </a:prstGeom>
+              <a:ln w="19050">
+                <a:solidFill>
+                  <a:schemeClr val="tx1"/>
+                </a:solidFill>
+              </a:ln>
+            </p:spPr>
+            <p:style>
+              <a:lnRef idx="1">
+                <a:schemeClr val="accent1"/>
+              </a:lnRef>
+              <a:fillRef idx="0">
+                <a:schemeClr val="accent1"/>
+              </a:fillRef>
+              <a:effectRef idx="0">
+                <a:schemeClr val="accent1"/>
+              </a:effectRef>
+              <a:fontRef idx="minor">
+                <a:schemeClr val="tx1"/>
+              </a:fontRef>
+            </p:style>
+          </p:cxnSp>
+          <p:cxnSp>
+            <p:nvCxnSpPr>
+              <p:cNvPr id="82" name="Conector recto 81">
+                <a:extLst>
+                  <a:ext uri="{FF2B5EF4-FFF2-40B4-BE49-F238E27FC236}">
+                    <a16:creationId xmlns:a16="http://schemas.microsoft.com/office/drawing/2014/main" id="{30C00645-F92A-0B30-22D2-E7E50D6D0E11}"/>
+                  </a:ext>
+                </a:extLst>
+              </p:cNvPr>
+              <p:cNvCxnSpPr>
+                <a:cxnSpLocks/>
+              </p:cNvCxnSpPr>
+              <p:nvPr/>
+            </p:nvCxnSpPr>
+            <p:spPr>
+              <a:xfrm>
+                <a:off x="6313125" y="4967679"/>
+                <a:ext cx="140970" cy="0"/>
+              </a:xfrm>
+              <a:prstGeom prst="line">
+                <a:avLst/>
+              </a:prstGeom>
+              <a:ln w="19050">
+                <a:solidFill>
+                  <a:schemeClr val="tx1"/>
+                </a:solidFill>
+              </a:ln>
+            </p:spPr>
+            <p:style>
+              <a:lnRef idx="1">
+                <a:schemeClr val="accent1"/>
+              </a:lnRef>
+              <a:fillRef idx="0">
+                <a:schemeClr val="accent1"/>
+              </a:fillRef>
+              <a:effectRef idx="0">
+                <a:schemeClr val="accent1"/>
+              </a:effectRef>
+              <a:fontRef idx="minor">
+                <a:schemeClr val="tx1"/>
+              </a:fontRef>
+            </p:style>
+          </p:cxnSp>
+          <p:cxnSp>
+            <p:nvCxnSpPr>
+              <p:cNvPr id="84" name="Conector recto 83">
+                <a:extLst>
+                  <a:ext uri="{FF2B5EF4-FFF2-40B4-BE49-F238E27FC236}">
+                    <a16:creationId xmlns:a16="http://schemas.microsoft.com/office/drawing/2014/main" id="{F7BA9FAB-DB11-B241-7F43-7361726982FE}"/>
+                  </a:ext>
+                </a:extLst>
+              </p:cNvPr>
+              <p:cNvCxnSpPr>
+                <a:cxnSpLocks/>
+              </p:cNvCxnSpPr>
+              <p:nvPr/>
+            </p:nvCxnSpPr>
+            <p:spPr>
+              <a:xfrm>
+                <a:off x="6313125" y="5006072"/>
+                <a:ext cx="140970" cy="0"/>
+              </a:xfrm>
+              <a:prstGeom prst="line">
+                <a:avLst/>
+              </a:prstGeom>
+              <a:ln w="19050">
+                <a:solidFill>
+                  <a:schemeClr val="tx1"/>
+                </a:solidFill>
+              </a:ln>
+            </p:spPr>
+            <p:style>
+              <a:lnRef idx="1">
+                <a:schemeClr val="accent1"/>
+              </a:lnRef>
+              <a:fillRef idx="0">
+                <a:schemeClr val="accent1"/>
+              </a:fillRef>
+              <a:effectRef idx="0">
+                <a:schemeClr val="accent1"/>
+              </a:effectRef>
+              <a:fontRef idx="minor">
+                <a:schemeClr val="tx1"/>
+              </a:fontRef>
+            </p:style>
+          </p:cxnSp>
+          <p:cxnSp>
+            <p:nvCxnSpPr>
+              <p:cNvPr id="86" name="Conector recto 85">
+                <a:extLst>
+                  <a:ext uri="{FF2B5EF4-FFF2-40B4-BE49-F238E27FC236}">
+                    <a16:creationId xmlns:a16="http://schemas.microsoft.com/office/drawing/2014/main" id="{4089DFC9-33D7-6D6F-3F54-A038BA66525B}"/>
+                  </a:ext>
+                </a:extLst>
+              </p:cNvPr>
+              <p:cNvCxnSpPr>
+                <a:cxnSpLocks/>
+              </p:cNvCxnSpPr>
+              <p:nvPr/>
+            </p:nvCxnSpPr>
+            <p:spPr>
+              <a:xfrm>
+                <a:off x="6313125" y="5040069"/>
+                <a:ext cx="140970" cy="0"/>
+              </a:xfrm>
+              <a:prstGeom prst="line">
+                <a:avLst/>
+              </a:prstGeom>
+              <a:ln w="19050">
+                <a:solidFill>
+                  <a:schemeClr val="tx1"/>
+                </a:solidFill>
+              </a:ln>
+            </p:spPr>
+            <p:style>
+              <a:lnRef idx="1">
+                <a:schemeClr val="accent1"/>
+              </a:lnRef>
+              <a:fillRef idx="0">
+                <a:schemeClr val="accent1"/>
+              </a:fillRef>
+              <a:effectRef idx="0">
+                <a:schemeClr val="accent1"/>
+              </a:effectRef>
+              <a:fontRef idx="minor">
+                <a:schemeClr val="tx1"/>
+              </a:fontRef>
+            </p:style>
+          </p:cxnSp>
+        </p:grpSp>
+        <p:sp>
+          <p:nvSpPr>
+            <p:cNvPr id="75" name="Elipse 74">
+              <a:extLst>
+                <a:ext uri="{FF2B5EF4-FFF2-40B4-BE49-F238E27FC236}">
+                  <a16:creationId xmlns:a16="http://schemas.microsoft.com/office/drawing/2014/main" id="{33385DB0-CEAF-5083-EDBD-AC8C4CCC06D9}"/>
+                </a:ext>
+              </a:extLst>
+            </p:cNvPr>
+            <p:cNvSpPr/>
+            <p:nvPr/>
+          </p:nvSpPr>
+          <p:spPr>
+            <a:xfrm>
+              <a:off x="6852285" y="5124459"/>
+              <a:ext cx="64770" cy="59046"/>
+            </a:xfrm>
+            <a:prstGeom prst="ellipse">
+              <a:avLst/>
+            </a:prstGeom>
+            <a:solidFill>
+              <a:srgbClr val="C00000"/>
+            </a:solidFill>
+            <a:ln>
+              <a:noFill/>
+            </a:ln>
+          </p:spPr>
+          <p:style>
+            <a:lnRef idx="2">
+              <a:schemeClr val="accent1">
+                <a:shade val="15000"/>
+              </a:schemeClr>
+            </a:lnRef>
+            <a:fillRef idx="1">
+              <a:schemeClr val="accent1"/>
+            </a:fillRef>
+            <a:effectRef idx="0">
+              <a:schemeClr val="accent1"/>
+            </a:effectRef>
+            <a:fontRef idx="minor">
+              <a:schemeClr val="lt1"/>
+            </a:fontRef>
+          </p:style>
+          <p:txBody>
+            <a:bodyPr rtlCol="0" anchor="ctr"/>
+            <a:lstStyle/>
+            <a:p>
+              <a:pPr algn="ctr"/>
+              <a:endParaRPr lang="es-EC"/>
+            </a:p>
+          </p:txBody>
+        </p:sp>
+      </p:grpSp>
+      <p:cxnSp>
+        <p:nvCxnSpPr>
+          <p:cNvPr id="101" name="Conector recto 100">
+            <a:extLst>
+              <a:ext uri="{FF2B5EF4-FFF2-40B4-BE49-F238E27FC236}">
+                <a16:creationId xmlns:a16="http://schemas.microsoft.com/office/drawing/2014/main" id="{ECA49AE4-AA27-4A3E-2858-9F732D487222}"/>
+              </a:ext>
+            </a:extLst>
+          </p:cNvPr>
+          <p:cNvCxnSpPr>
+            <a:cxnSpLocks/>
+          </p:cNvCxnSpPr>
+          <p:nvPr/>
+        </p:nvCxnSpPr>
+        <p:spPr>
+          <a:xfrm>
+            <a:off x="2857500" y="5583115"/>
+            <a:ext cx="0" cy="0"/>
+          </a:xfrm>
+          <a:prstGeom prst="line">
+            <a:avLst/>
+          </a:prstGeom>
+        </p:spPr>
+        <p:style>
+          <a:lnRef idx="1">
+            <a:schemeClr val="accent1"/>
+          </a:lnRef>
+          <a:fillRef idx="0">
+            <a:schemeClr val="accent1"/>
+          </a:fillRef>
+          <a:effectRef idx="0">
+            <a:schemeClr val="accent1"/>
+          </a:effectRef>
+          <a:fontRef idx="minor">
+            <a:schemeClr val="tx1"/>
+          </a:fontRef>
+        </p:style>
+      </p:cxnSp>
+      <p:pic>
+        <p:nvPicPr>
+          <p:cNvPr id="124" name="Imagen 123">
+            <a:extLst>
+              <a:ext uri="{FF2B5EF4-FFF2-40B4-BE49-F238E27FC236}">
+                <a16:creationId xmlns:a16="http://schemas.microsoft.com/office/drawing/2014/main" id="{CB3B8E94-6F6C-C496-3A44-197711C5DAF3}"/>
+              </a:ext>
+            </a:extLst>
+          </p:cNvPr>
+          <p:cNvPicPr>
+            <a:picLocks noChangeAspect="1"/>
+          </p:cNvPicPr>
+          <p:nvPr/>
+        </p:nvPicPr>
+        <p:blipFill>
+          <a:blip r:embed="rId6"/>
+          <a:stretch>
+            <a:fillRect/>
+          </a:stretch>
+        </p:blipFill>
+        <p:spPr>
+          <a:xfrm>
+            <a:off x="2697480" y="4505585"/>
+            <a:ext cx="222622" cy="1100569"/>
+          </a:xfrm>
+          <a:prstGeom prst="rect">
+            <a:avLst/>
+          </a:prstGeom>
+        </p:spPr>
+      </p:pic>
     </p:spTree>
     <p:extLst>
       <p:ext uri="{BB962C8B-B14F-4D97-AF65-F5344CB8AC3E}">
@@ -25367,7 +27949,7 @@
         </p:blipFill>
         <p:spPr>
           <a:xfrm>
-            <a:off x="-98200" y="0"/>
+            <a:off x="-100105" y="-38100"/>
             <a:ext cx="11180904" cy="6858000"/>
           </a:xfrm>
           <a:prstGeom prst="rect">
@@ -25422,6 +28004,2520 @@
           </a:extLst>
         </p:spPr>
       </p:pic>
+      <p:grpSp>
+        <p:nvGrpSpPr>
+          <p:cNvPr id="24" name="Grupo 23">
+            <a:extLst>
+              <a:ext uri="{FF2B5EF4-FFF2-40B4-BE49-F238E27FC236}">
+                <a16:creationId xmlns:a16="http://schemas.microsoft.com/office/drawing/2014/main" id="{AAE1996C-1F4A-5812-98B0-784A5750176C}"/>
+              </a:ext>
+            </a:extLst>
+          </p:cNvPr>
+          <p:cNvGrpSpPr/>
+          <p:nvPr/>
+        </p:nvGrpSpPr>
+        <p:grpSpPr>
+          <a:xfrm>
+            <a:off x="6221584" y="4794885"/>
+            <a:ext cx="758336" cy="899160"/>
+            <a:chOff x="6221584" y="4794885"/>
+            <a:chExt cx="758336" cy="899160"/>
+          </a:xfrm>
+        </p:grpSpPr>
+        <p:sp>
+          <p:nvSpPr>
+            <p:cNvPr id="2" name="Rectángulo 1">
+              <a:extLst>
+                <a:ext uri="{FF2B5EF4-FFF2-40B4-BE49-F238E27FC236}">
+                  <a16:creationId xmlns:a16="http://schemas.microsoft.com/office/drawing/2014/main" id="{83E5212E-80BE-C6CE-ACBD-CAF3BEA0D024}"/>
+                </a:ext>
+              </a:extLst>
+            </p:cNvPr>
+            <p:cNvSpPr/>
+            <p:nvPr/>
+          </p:nvSpPr>
+          <p:spPr>
+            <a:xfrm>
+              <a:off x="6221584" y="4794885"/>
+              <a:ext cx="758336" cy="423496"/>
+            </a:xfrm>
+            <a:prstGeom prst="rect">
+              <a:avLst/>
+            </a:prstGeom>
+            <a:solidFill>
+              <a:schemeClr val="bg2">
+                <a:lumMod val="50000"/>
+              </a:schemeClr>
+            </a:solidFill>
+            <a:ln>
+              <a:solidFill>
+                <a:schemeClr val="tx1"/>
+              </a:solidFill>
+            </a:ln>
+          </p:spPr>
+          <p:style>
+            <a:lnRef idx="2">
+              <a:schemeClr val="accent1">
+                <a:shade val="15000"/>
+              </a:schemeClr>
+            </a:lnRef>
+            <a:fillRef idx="1">
+              <a:schemeClr val="accent1"/>
+            </a:fillRef>
+            <a:effectRef idx="0">
+              <a:schemeClr val="accent1"/>
+            </a:effectRef>
+            <a:fontRef idx="minor">
+              <a:schemeClr val="lt1"/>
+            </a:fontRef>
+          </p:style>
+          <p:txBody>
+            <a:bodyPr rtlCol="0" anchor="ctr"/>
+            <a:lstStyle/>
+            <a:p>
+              <a:pPr algn="ctr"/>
+              <a:endParaRPr lang="es-EC">
+                <a:ln>
+                  <a:solidFill>
+                    <a:schemeClr val="bg2">
+                      <a:lumMod val="75000"/>
+                    </a:schemeClr>
+                  </a:solidFill>
+                </a:ln>
+                <a:solidFill>
+                  <a:schemeClr val="bg2">
+                    <a:lumMod val="75000"/>
+                  </a:schemeClr>
+                </a:solidFill>
+              </a:endParaRPr>
+            </a:p>
+          </p:txBody>
+        </p:sp>
+        <p:sp>
+          <p:nvSpPr>
+            <p:cNvPr id="3" name="Rectángulo 2">
+              <a:extLst>
+                <a:ext uri="{FF2B5EF4-FFF2-40B4-BE49-F238E27FC236}">
+                  <a16:creationId xmlns:a16="http://schemas.microsoft.com/office/drawing/2014/main" id="{5C2D1868-0715-3377-3CF7-87C8152A7578}"/>
+                </a:ext>
+              </a:extLst>
+            </p:cNvPr>
+            <p:cNvSpPr/>
+            <p:nvPr/>
+          </p:nvSpPr>
+          <p:spPr>
+            <a:xfrm>
+              <a:off x="6527336" y="5218381"/>
+              <a:ext cx="146831" cy="107266"/>
+            </a:xfrm>
+            <a:prstGeom prst="rect">
+              <a:avLst/>
+            </a:prstGeom>
+            <a:solidFill>
+              <a:schemeClr val="bg2">
+                <a:lumMod val="50000"/>
+              </a:schemeClr>
+            </a:solidFill>
+            <a:ln>
+              <a:solidFill>
+                <a:schemeClr val="tx1"/>
+              </a:solidFill>
+            </a:ln>
+          </p:spPr>
+          <p:style>
+            <a:lnRef idx="2">
+              <a:schemeClr val="accent1">
+                <a:shade val="15000"/>
+              </a:schemeClr>
+            </a:lnRef>
+            <a:fillRef idx="1">
+              <a:schemeClr val="accent1"/>
+            </a:fillRef>
+            <a:effectRef idx="0">
+              <a:schemeClr val="accent1"/>
+            </a:effectRef>
+            <a:fontRef idx="minor">
+              <a:schemeClr val="lt1"/>
+            </a:fontRef>
+          </p:style>
+          <p:txBody>
+            <a:bodyPr rtlCol="0" anchor="ctr"/>
+            <a:lstStyle/>
+            <a:p>
+              <a:pPr algn="ctr"/>
+              <a:endParaRPr lang="es-EC">
+                <a:ln>
+                  <a:solidFill>
+                    <a:schemeClr val="bg2">
+                      <a:lumMod val="75000"/>
+                    </a:schemeClr>
+                  </a:solidFill>
+                </a:ln>
+                <a:solidFill>
+                  <a:schemeClr val="bg2">
+                    <a:lumMod val="75000"/>
+                  </a:schemeClr>
+                </a:solidFill>
+              </a:endParaRPr>
+            </a:p>
+          </p:txBody>
+        </p:sp>
+        <p:sp>
+          <p:nvSpPr>
+            <p:cNvPr id="4" name="Rectángulo 3">
+              <a:extLst>
+                <a:ext uri="{FF2B5EF4-FFF2-40B4-BE49-F238E27FC236}">
+                  <a16:creationId xmlns:a16="http://schemas.microsoft.com/office/drawing/2014/main" id="{C1B4C36E-F625-FDED-253A-A7A0010075A4}"/>
+                </a:ext>
+              </a:extLst>
+            </p:cNvPr>
+            <p:cNvSpPr/>
+            <p:nvPr/>
+          </p:nvSpPr>
+          <p:spPr>
+            <a:xfrm>
+              <a:off x="6577891" y="5325647"/>
+              <a:ext cx="45719" cy="368398"/>
+            </a:xfrm>
+            <a:prstGeom prst="rect">
+              <a:avLst/>
+            </a:prstGeom>
+            <a:solidFill>
+              <a:schemeClr val="bg2">
+                <a:lumMod val="50000"/>
+              </a:schemeClr>
+            </a:solidFill>
+            <a:ln>
+              <a:solidFill>
+                <a:schemeClr val="tx1"/>
+              </a:solidFill>
+            </a:ln>
+          </p:spPr>
+          <p:style>
+            <a:lnRef idx="2">
+              <a:schemeClr val="accent1">
+                <a:shade val="15000"/>
+              </a:schemeClr>
+            </a:lnRef>
+            <a:fillRef idx="1">
+              <a:schemeClr val="accent1"/>
+            </a:fillRef>
+            <a:effectRef idx="0">
+              <a:schemeClr val="accent1"/>
+            </a:effectRef>
+            <a:fontRef idx="minor">
+              <a:schemeClr val="lt1"/>
+            </a:fontRef>
+          </p:style>
+          <p:txBody>
+            <a:bodyPr rtlCol="0" anchor="ctr"/>
+            <a:lstStyle/>
+            <a:p>
+              <a:pPr algn="ctr"/>
+              <a:endParaRPr lang="es-EC">
+                <a:ln>
+                  <a:solidFill>
+                    <a:schemeClr val="bg2">
+                      <a:lumMod val="75000"/>
+                    </a:schemeClr>
+                  </a:solidFill>
+                </a:ln>
+                <a:solidFill>
+                  <a:schemeClr val="bg2">
+                    <a:lumMod val="75000"/>
+                  </a:schemeClr>
+                </a:solidFill>
+              </a:endParaRPr>
+            </a:p>
+          </p:txBody>
+        </p:sp>
+        <p:grpSp>
+          <p:nvGrpSpPr>
+            <p:cNvPr id="15" name="Grupo 14">
+              <a:extLst>
+                <a:ext uri="{FF2B5EF4-FFF2-40B4-BE49-F238E27FC236}">
+                  <a16:creationId xmlns:a16="http://schemas.microsoft.com/office/drawing/2014/main" id="{95D31D32-1EEF-D990-90D3-B39EFE545D76}"/>
+                </a:ext>
+              </a:extLst>
+            </p:cNvPr>
+            <p:cNvGrpSpPr/>
+            <p:nvPr/>
+          </p:nvGrpSpPr>
+          <p:grpSpPr>
+            <a:xfrm>
+              <a:off x="6288405" y="4863465"/>
+              <a:ext cx="140970" cy="177165"/>
+              <a:chOff x="6288405" y="4863465"/>
+              <a:chExt cx="140970" cy="177165"/>
+            </a:xfrm>
+          </p:grpSpPr>
+          <p:cxnSp>
+            <p:nvCxnSpPr>
+              <p:cNvPr id="6" name="Conector recto 5">
+                <a:extLst>
+                  <a:ext uri="{FF2B5EF4-FFF2-40B4-BE49-F238E27FC236}">
+                    <a16:creationId xmlns:a16="http://schemas.microsoft.com/office/drawing/2014/main" id="{5BD6A17A-43B0-BC58-40F8-5B353E03DBC4}"/>
+                  </a:ext>
+                </a:extLst>
+              </p:cNvPr>
+              <p:cNvCxnSpPr>
+                <a:cxnSpLocks/>
+              </p:cNvCxnSpPr>
+              <p:nvPr/>
+            </p:nvCxnSpPr>
+            <p:spPr>
+              <a:xfrm>
+                <a:off x="6288405" y="4863465"/>
+                <a:ext cx="140970" cy="0"/>
+              </a:xfrm>
+              <a:prstGeom prst="line">
+                <a:avLst/>
+              </a:prstGeom>
+              <a:ln w="19050">
+                <a:solidFill>
+                  <a:schemeClr val="tx1"/>
+                </a:solidFill>
+              </a:ln>
+            </p:spPr>
+            <p:style>
+              <a:lnRef idx="1">
+                <a:schemeClr val="accent1"/>
+              </a:lnRef>
+              <a:fillRef idx="0">
+                <a:schemeClr val="accent1"/>
+              </a:fillRef>
+              <a:effectRef idx="0">
+                <a:schemeClr val="accent1"/>
+              </a:effectRef>
+              <a:fontRef idx="minor">
+                <a:schemeClr val="tx1"/>
+              </a:fontRef>
+            </p:style>
+          </p:cxnSp>
+          <p:cxnSp>
+            <p:nvCxnSpPr>
+              <p:cNvPr id="9" name="Conector recto 8">
+                <a:extLst>
+                  <a:ext uri="{FF2B5EF4-FFF2-40B4-BE49-F238E27FC236}">
+                    <a16:creationId xmlns:a16="http://schemas.microsoft.com/office/drawing/2014/main" id="{42CF9DC3-178B-C01A-7698-3B9B3C1BFEB7}"/>
+                  </a:ext>
+                </a:extLst>
+              </p:cNvPr>
+              <p:cNvCxnSpPr>
+                <a:cxnSpLocks/>
+              </p:cNvCxnSpPr>
+              <p:nvPr/>
+            </p:nvCxnSpPr>
+            <p:spPr>
+              <a:xfrm>
+                <a:off x="6288405" y="4897755"/>
+                <a:ext cx="140970" cy="0"/>
+              </a:xfrm>
+              <a:prstGeom prst="line">
+                <a:avLst/>
+              </a:prstGeom>
+              <a:ln w="19050">
+                <a:solidFill>
+                  <a:schemeClr val="tx1"/>
+                </a:solidFill>
+              </a:ln>
+            </p:spPr>
+            <p:style>
+              <a:lnRef idx="1">
+                <a:schemeClr val="accent1"/>
+              </a:lnRef>
+              <a:fillRef idx="0">
+                <a:schemeClr val="accent1"/>
+              </a:fillRef>
+              <a:effectRef idx="0">
+                <a:schemeClr val="accent1"/>
+              </a:effectRef>
+              <a:fontRef idx="minor">
+                <a:schemeClr val="tx1"/>
+              </a:fontRef>
+            </p:style>
+          </p:cxnSp>
+          <p:cxnSp>
+            <p:nvCxnSpPr>
+              <p:cNvPr id="11" name="Conector recto 10">
+                <a:extLst>
+                  <a:ext uri="{FF2B5EF4-FFF2-40B4-BE49-F238E27FC236}">
+                    <a16:creationId xmlns:a16="http://schemas.microsoft.com/office/drawing/2014/main" id="{174E5A65-8B5C-64AF-3338-15150C2C2A9E}"/>
+                  </a:ext>
+                </a:extLst>
+              </p:cNvPr>
+              <p:cNvCxnSpPr>
+                <a:cxnSpLocks/>
+              </p:cNvCxnSpPr>
+              <p:nvPr/>
+            </p:nvCxnSpPr>
+            <p:spPr>
+              <a:xfrm>
+                <a:off x="6288405" y="4932045"/>
+                <a:ext cx="140970" cy="0"/>
+              </a:xfrm>
+              <a:prstGeom prst="line">
+                <a:avLst/>
+              </a:prstGeom>
+              <a:ln w="19050">
+                <a:solidFill>
+                  <a:schemeClr val="tx1"/>
+                </a:solidFill>
+              </a:ln>
+            </p:spPr>
+            <p:style>
+              <a:lnRef idx="1">
+                <a:schemeClr val="accent1"/>
+              </a:lnRef>
+              <a:fillRef idx="0">
+                <a:schemeClr val="accent1"/>
+              </a:fillRef>
+              <a:effectRef idx="0">
+                <a:schemeClr val="accent1"/>
+              </a:effectRef>
+              <a:fontRef idx="minor">
+                <a:schemeClr val="tx1"/>
+              </a:fontRef>
+            </p:style>
+          </p:cxnSp>
+          <p:cxnSp>
+            <p:nvCxnSpPr>
+              <p:cNvPr id="12" name="Conector recto 11">
+                <a:extLst>
+                  <a:ext uri="{FF2B5EF4-FFF2-40B4-BE49-F238E27FC236}">
+                    <a16:creationId xmlns:a16="http://schemas.microsoft.com/office/drawing/2014/main" id="{079A16CA-E65A-9C1D-3D72-9EE85C3B48B1}"/>
+                  </a:ext>
+                </a:extLst>
+              </p:cNvPr>
+              <p:cNvCxnSpPr>
+                <a:cxnSpLocks/>
+              </p:cNvCxnSpPr>
+              <p:nvPr/>
+            </p:nvCxnSpPr>
+            <p:spPr>
+              <a:xfrm>
+                <a:off x="6288405" y="4968240"/>
+                <a:ext cx="140970" cy="0"/>
+              </a:xfrm>
+              <a:prstGeom prst="line">
+                <a:avLst/>
+              </a:prstGeom>
+              <a:ln w="19050">
+                <a:solidFill>
+                  <a:schemeClr val="tx1"/>
+                </a:solidFill>
+              </a:ln>
+            </p:spPr>
+            <p:style>
+              <a:lnRef idx="1">
+                <a:schemeClr val="accent1"/>
+              </a:lnRef>
+              <a:fillRef idx="0">
+                <a:schemeClr val="accent1"/>
+              </a:fillRef>
+              <a:effectRef idx="0">
+                <a:schemeClr val="accent1"/>
+              </a:effectRef>
+              <a:fontRef idx="minor">
+                <a:schemeClr val="tx1"/>
+              </a:fontRef>
+            </p:style>
+          </p:cxnSp>
+          <p:cxnSp>
+            <p:nvCxnSpPr>
+              <p:cNvPr id="13" name="Conector recto 12">
+                <a:extLst>
+                  <a:ext uri="{FF2B5EF4-FFF2-40B4-BE49-F238E27FC236}">
+                    <a16:creationId xmlns:a16="http://schemas.microsoft.com/office/drawing/2014/main" id="{4FBAA553-6D14-2808-C155-2AA4B357C8A2}"/>
+                  </a:ext>
+                </a:extLst>
+              </p:cNvPr>
+              <p:cNvCxnSpPr>
+                <a:cxnSpLocks/>
+              </p:cNvCxnSpPr>
+              <p:nvPr/>
+            </p:nvCxnSpPr>
+            <p:spPr>
+              <a:xfrm>
+                <a:off x="6288405" y="5006633"/>
+                <a:ext cx="140970" cy="0"/>
+              </a:xfrm>
+              <a:prstGeom prst="line">
+                <a:avLst/>
+              </a:prstGeom>
+              <a:ln w="19050">
+                <a:solidFill>
+                  <a:schemeClr val="tx1"/>
+                </a:solidFill>
+              </a:ln>
+            </p:spPr>
+            <p:style>
+              <a:lnRef idx="1">
+                <a:schemeClr val="accent1"/>
+              </a:lnRef>
+              <a:fillRef idx="0">
+                <a:schemeClr val="accent1"/>
+              </a:fillRef>
+              <a:effectRef idx="0">
+                <a:schemeClr val="accent1"/>
+              </a:effectRef>
+              <a:fontRef idx="minor">
+                <a:schemeClr val="tx1"/>
+              </a:fontRef>
+            </p:style>
+          </p:cxnSp>
+          <p:cxnSp>
+            <p:nvCxnSpPr>
+              <p:cNvPr id="14" name="Conector recto 13">
+                <a:extLst>
+                  <a:ext uri="{FF2B5EF4-FFF2-40B4-BE49-F238E27FC236}">
+                    <a16:creationId xmlns:a16="http://schemas.microsoft.com/office/drawing/2014/main" id="{E20AE388-7E32-AF49-EF90-C751F9A63F02}"/>
+                  </a:ext>
+                </a:extLst>
+              </p:cNvPr>
+              <p:cNvCxnSpPr>
+                <a:cxnSpLocks/>
+              </p:cNvCxnSpPr>
+              <p:nvPr/>
+            </p:nvCxnSpPr>
+            <p:spPr>
+              <a:xfrm>
+                <a:off x="6288405" y="5040630"/>
+                <a:ext cx="140970" cy="0"/>
+              </a:xfrm>
+              <a:prstGeom prst="line">
+                <a:avLst/>
+              </a:prstGeom>
+              <a:ln w="19050">
+                <a:solidFill>
+                  <a:schemeClr val="tx1"/>
+                </a:solidFill>
+              </a:ln>
+            </p:spPr>
+            <p:style>
+              <a:lnRef idx="1">
+                <a:schemeClr val="accent1"/>
+              </a:lnRef>
+              <a:fillRef idx="0">
+                <a:schemeClr val="accent1"/>
+              </a:fillRef>
+              <a:effectRef idx="0">
+                <a:schemeClr val="accent1"/>
+              </a:effectRef>
+              <a:fontRef idx="minor">
+                <a:schemeClr val="tx1"/>
+              </a:fontRef>
+            </p:style>
+          </p:cxnSp>
+        </p:grpSp>
+        <p:grpSp>
+          <p:nvGrpSpPr>
+            <p:cNvPr id="16" name="Grupo 15">
+              <a:extLst>
+                <a:ext uri="{FF2B5EF4-FFF2-40B4-BE49-F238E27FC236}">
+                  <a16:creationId xmlns:a16="http://schemas.microsoft.com/office/drawing/2014/main" id="{6F7DF1E4-1C24-43C7-2579-37FF953C1EAC}"/>
+                </a:ext>
+              </a:extLst>
+            </p:cNvPr>
+            <p:cNvGrpSpPr/>
+            <p:nvPr/>
+          </p:nvGrpSpPr>
+          <p:grpSpPr>
+            <a:xfrm>
+              <a:off x="6785610" y="4863465"/>
+              <a:ext cx="140970" cy="177165"/>
+              <a:chOff x="6288405" y="4863465"/>
+              <a:chExt cx="140970" cy="177165"/>
+            </a:xfrm>
+          </p:grpSpPr>
+          <p:cxnSp>
+            <p:nvCxnSpPr>
+              <p:cNvPr id="17" name="Conector recto 16">
+                <a:extLst>
+                  <a:ext uri="{FF2B5EF4-FFF2-40B4-BE49-F238E27FC236}">
+                    <a16:creationId xmlns:a16="http://schemas.microsoft.com/office/drawing/2014/main" id="{82CB85E8-2870-C397-635A-4FB65E329E55}"/>
+                  </a:ext>
+                </a:extLst>
+              </p:cNvPr>
+              <p:cNvCxnSpPr>
+                <a:cxnSpLocks/>
+              </p:cNvCxnSpPr>
+              <p:nvPr/>
+            </p:nvCxnSpPr>
+            <p:spPr>
+              <a:xfrm>
+                <a:off x="6288405" y="4863465"/>
+                <a:ext cx="140970" cy="0"/>
+              </a:xfrm>
+              <a:prstGeom prst="line">
+                <a:avLst/>
+              </a:prstGeom>
+              <a:ln w="19050">
+                <a:solidFill>
+                  <a:schemeClr val="tx1"/>
+                </a:solidFill>
+              </a:ln>
+            </p:spPr>
+            <p:style>
+              <a:lnRef idx="1">
+                <a:schemeClr val="accent1"/>
+              </a:lnRef>
+              <a:fillRef idx="0">
+                <a:schemeClr val="accent1"/>
+              </a:fillRef>
+              <a:effectRef idx="0">
+                <a:schemeClr val="accent1"/>
+              </a:effectRef>
+              <a:fontRef idx="minor">
+                <a:schemeClr val="tx1"/>
+              </a:fontRef>
+            </p:style>
+          </p:cxnSp>
+          <p:cxnSp>
+            <p:nvCxnSpPr>
+              <p:cNvPr id="18" name="Conector recto 17">
+                <a:extLst>
+                  <a:ext uri="{FF2B5EF4-FFF2-40B4-BE49-F238E27FC236}">
+                    <a16:creationId xmlns:a16="http://schemas.microsoft.com/office/drawing/2014/main" id="{1C051390-A372-3E19-9369-0A6516E7F8B0}"/>
+                  </a:ext>
+                </a:extLst>
+              </p:cNvPr>
+              <p:cNvCxnSpPr>
+                <a:cxnSpLocks/>
+              </p:cNvCxnSpPr>
+              <p:nvPr/>
+            </p:nvCxnSpPr>
+            <p:spPr>
+              <a:xfrm>
+                <a:off x="6288405" y="4897755"/>
+                <a:ext cx="140970" cy="0"/>
+              </a:xfrm>
+              <a:prstGeom prst="line">
+                <a:avLst/>
+              </a:prstGeom>
+              <a:ln w="19050">
+                <a:solidFill>
+                  <a:schemeClr val="tx1"/>
+                </a:solidFill>
+              </a:ln>
+            </p:spPr>
+            <p:style>
+              <a:lnRef idx="1">
+                <a:schemeClr val="accent1"/>
+              </a:lnRef>
+              <a:fillRef idx="0">
+                <a:schemeClr val="accent1"/>
+              </a:fillRef>
+              <a:effectRef idx="0">
+                <a:schemeClr val="accent1"/>
+              </a:effectRef>
+              <a:fontRef idx="minor">
+                <a:schemeClr val="tx1"/>
+              </a:fontRef>
+            </p:style>
+          </p:cxnSp>
+          <p:cxnSp>
+            <p:nvCxnSpPr>
+              <p:cNvPr id="19" name="Conector recto 18">
+                <a:extLst>
+                  <a:ext uri="{FF2B5EF4-FFF2-40B4-BE49-F238E27FC236}">
+                    <a16:creationId xmlns:a16="http://schemas.microsoft.com/office/drawing/2014/main" id="{02EA4A43-C9C6-7C68-D8E0-8BFAA75C149A}"/>
+                  </a:ext>
+                </a:extLst>
+              </p:cNvPr>
+              <p:cNvCxnSpPr>
+                <a:cxnSpLocks/>
+              </p:cNvCxnSpPr>
+              <p:nvPr/>
+            </p:nvCxnSpPr>
+            <p:spPr>
+              <a:xfrm>
+                <a:off x="6288405" y="4932045"/>
+                <a:ext cx="140970" cy="0"/>
+              </a:xfrm>
+              <a:prstGeom prst="line">
+                <a:avLst/>
+              </a:prstGeom>
+              <a:ln w="19050">
+                <a:solidFill>
+                  <a:schemeClr val="tx1"/>
+                </a:solidFill>
+              </a:ln>
+            </p:spPr>
+            <p:style>
+              <a:lnRef idx="1">
+                <a:schemeClr val="accent1"/>
+              </a:lnRef>
+              <a:fillRef idx="0">
+                <a:schemeClr val="accent1"/>
+              </a:fillRef>
+              <a:effectRef idx="0">
+                <a:schemeClr val="accent1"/>
+              </a:effectRef>
+              <a:fontRef idx="minor">
+                <a:schemeClr val="tx1"/>
+              </a:fontRef>
+            </p:style>
+          </p:cxnSp>
+          <p:cxnSp>
+            <p:nvCxnSpPr>
+              <p:cNvPr id="20" name="Conector recto 19">
+                <a:extLst>
+                  <a:ext uri="{FF2B5EF4-FFF2-40B4-BE49-F238E27FC236}">
+                    <a16:creationId xmlns:a16="http://schemas.microsoft.com/office/drawing/2014/main" id="{5DE8ECEB-22BB-A52F-F568-52D48C76A25A}"/>
+                  </a:ext>
+                </a:extLst>
+              </p:cNvPr>
+              <p:cNvCxnSpPr>
+                <a:cxnSpLocks/>
+              </p:cNvCxnSpPr>
+              <p:nvPr/>
+            </p:nvCxnSpPr>
+            <p:spPr>
+              <a:xfrm>
+                <a:off x="6288405" y="4968240"/>
+                <a:ext cx="140970" cy="0"/>
+              </a:xfrm>
+              <a:prstGeom prst="line">
+                <a:avLst/>
+              </a:prstGeom>
+              <a:ln w="19050">
+                <a:solidFill>
+                  <a:schemeClr val="tx1"/>
+                </a:solidFill>
+              </a:ln>
+            </p:spPr>
+            <p:style>
+              <a:lnRef idx="1">
+                <a:schemeClr val="accent1"/>
+              </a:lnRef>
+              <a:fillRef idx="0">
+                <a:schemeClr val="accent1"/>
+              </a:fillRef>
+              <a:effectRef idx="0">
+                <a:schemeClr val="accent1"/>
+              </a:effectRef>
+              <a:fontRef idx="minor">
+                <a:schemeClr val="tx1"/>
+              </a:fontRef>
+            </p:style>
+          </p:cxnSp>
+          <p:cxnSp>
+            <p:nvCxnSpPr>
+              <p:cNvPr id="21" name="Conector recto 20">
+                <a:extLst>
+                  <a:ext uri="{FF2B5EF4-FFF2-40B4-BE49-F238E27FC236}">
+                    <a16:creationId xmlns:a16="http://schemas.microsoft.com/office/drawing/2014/main" id="{4F457A65-FAB8-2AE6-528E-3CBEBFAA31F4}"/>
+                  </a:ext>
+                </a:extLst>
+              </p:cNvPr>
+              <p:cNvCxnSpPr>
+                <a:cxnSpLocks/>
+              </p:cNvCxnSpPr>
+              <p:nvPr/>
+            </p:nvCxnSpPr>
+            <p:spPr>
+              <a:xfrm>
+                <a:off x="6288405" y="5006633"/>
+                <a:ext cx="140970" cy="0"/>
+              </a:xfrm>
+              <a:prstGeom prst="line">
+                <a:avLst/>
+              </a:prstGeom>
+              <a:ln w="19050">
+                <a:solidFill>
+                  <a:schemeClr val="tx1"/>
+                </a:solidFill>
+              </a:ln>
+            </p:spPr>
+            <p:style>
+              <a:lnRef idx="1">
+                <a:schemeClr val="accent1"/>
+              </a:lnRef>
+              <a:fillRef idx="0">
+                <a:schemeClr val="accent1"/>
+              </a:fillRef>
+              <a:effectRef idx="0">
+                <a:schemeClr val="accent1"/>
+              </a:effectRef>
+              <a:fontRef idx="minor">
+                <a:schemeClr val="tx1"/>
+              </a:fontRef>
+            </p:style>
+          </p:cxnSp>
+          <p:cxnSp>
+            <p:nvCxnSpPr>
+              <p:cNvPr id="22" name="Conector recto 21">
+                <a:extLst>
+                  <a:ext uri="{FF2B5EF4-FFF2-40B4-BE49-F238E27FC236}">
+                    <a16:creationId xmlns:a16="http://schemas.microsoft.com/office/drawing/2014/main" id="{518BF26F-ABB1-81D4-4474-0DC397020862}"/>
+                  </a:ext>
+                </a:extLst>
+              </p:cNvPr>
+              <p:cNvCxnSpPr>
+                <a:cxnSpLocks/>
+              </p:cNvCxnSpPr>
+              <p:nvPr/>
+            </p:nvCxnSpPr>
+            <p:spPr>
+              <a:xfrm>
+                <a:off x="6288405" y="5040630"/>
+                <a:ext cx="140970" cy="0"/>
+              </a:xfrm>
+              <a:prstGeom prst="line">
+                <a:avLst/>
+              </a:prstGeom>
+              <a:ln w="19050">
+                <a:solidFill>
+                  <a:schemeClr val="tx1"/>
+                </a:solidFill>
+              </a:ln>
+            </p:spPr>
+            <p:style>
+              <a:lnRef idx="1">
+                <a:schemeClr val="accent1"/>
+              </a:lnRef>
+              <a:fillRef idx="0">
+                <a:schemeClr val="accent1"/>
+              </a:fillRef>
+              <a:effectRef idx="0">
+                <a:schemeClr val="accent1"/>
+              </a:effectRef>
+              <a:fontRef idx="minor">
+                <a:schemeClr val="tx1"/>
+              </a:fontRef>
+            </p:style>
+          </p:cxnSp>
+        </p:grpSp>
+        <p:sp>
+          <p:nvSpPr>
+            <p:cNvPr id="23" name="Elipse 22">
+              <a:extLst>
+                <a:ext uri="{FF2B5EF4-FFF2-40B4-BE49-F238E27FC236}">
+                  <a16:creationId xmlns:a16="http://schemas.microsoft.com/office/drawing/2014/main" id="{A94E7E09-F640-426B-60AA-160C86781A70}"/>
+                </a:ext>
+              </a:extLst>
+            </p:cNvPr>
+            <p:cNvSpPr/>
+            <p:nvPr/>
+          </p:nvSpPr>
+          <p:spPr>
+            <a:xfrm>
+              <a:off x="6852285" y="5124459"/>
+              <a:ext cx="64770" cy="59046"/>
+            </a:xfrm>
+            <a:prstGeom prst="ellipse">
+              <a:avLst/>
+            </a:prstGeom>
+            <a:solidFill>
+              <a:srgbClr val="C00000"/>
+            </a:solidFill>
+            <a:ln>
+              <a:noFill/>
+            </a:ln>
+          </p:spPr>
+          <p:style>
+            <a:lnRef idx="2">
+              <a:schemeClr val="accent1">
+                <a:shade val="15000"/>
+              </a:schemeClr>
+            </a:lnRef>
+            <a:fillRef idx="1">
+              <a:schemeClr val="accent1"/>
+            </a:fillRef>
+            <a:effectRef idx="0">
+              <a:schemeClr val="accent1"/>
+            </a:effectRef>
+            <a:fontRef idx="minor">
+              <a:schemeClr val="lt1"/>
+            </a:fontRef>
+          </p:style>
+          <p:txBody>
+            <a:bodyPr rtlCol="0" anchor="ctr"/>
+            <a:lstStyle/>
+            <a:p>
+              <a:pPr algn="ctr"/>
+              <a:endParaRPr lang="es-EC"/>
+            </a:p>
+          </p:txBody>
+        </p:sp>
+      </p:grpSp>
+      <p:grpSp>
+        <p:nvGrpSpPr>
+          <p:cNvPr id="44" name="Grupo 43">
+            <a:extLst>
+              <a:ext uri="{FF2B5EF4-FFF2-40B4-BE49-F238E27FC236}">
+                <a16:creationId xmlns:a16="http://schemas.microsoft.com/office/drawing/2014/main" id="{7AFDD7AF-4E65-A43E-F253-7D7C462E62A0}"/>
+              </a:ext>
+            </a:extLst>
+          </p:cNvPr>
+          <p:cNvGrpSpPr/>
+          <p:nvPr/>
+        </p:nvGrpSpPr>
+        <p:grpSpPr>
+          <a:xfrm>
+            <a:off x="8371229" y="4873869"/>
+            <a:ext cx="659130" cy="796290"/>
+            <a:chOff x="6221584" y="4794885"/>
+            <a:chExt cx="758336" cy="899160"/>
+          </a:xfrm>
+        </p:grpSpPr>
+        <p:sp>
+          <p:nvSpPr>
+            <p:cNvPr id="45" name="Rectángulo 44">
+              <a:extLst>
+                <a:ext uri="{FF2B5EF4-FFF2-40B4-BE49-F238E27FC236}">
+                  <a16:creationId xmlns:a16="http://schemas.microsoft.com/office/drawing/2014/main" id="{F99C7451-8C50-7B0A-F088-242268F0CF8F}"/>
+                </a:ext>
+              </a:extLst>
+            </p:cNvPr>
+            <p:cNvSpPr/>
+            <p:nvPr/>
+          </p:nvSpPr>
+          <p:spPr>
+            <a:xfrm>
+              <a:off x="6221584" y="4794885"/>
+              <a:ext cx="758336" cy="423496"/>
+            </a:xfrm>
+            <a:prstGeom prst="rect">
+              <a:avLst/>
+            </a:prstGeom>
+            <a:solidFill>
+              <a:schemeClr val="bg2">
+                <a:lumMod val="50000"/>
+              </a:schemeClr>
+            </a:solidFill>
+            <a:ln>
+              <a:solidFill>
+                <a:schemeClr val="tx1"/>
+              </a:solidFill>
+            </a:ln>
+          </p:spPr>
+          <p:style>
+            <a:lnRef idx="2">
+              <a:schemeClr val="accent1">
+                <a:shade val="15000"/>
+              </a:schemeClr>
+            </a:lnRef>
+            <a:fillRef idx="1">
+              <a:schemeClr val="accent1"/>
+            </a:fillRef>
+            <a:effectRef idx="0">
+              <a:schemeClr val="accent1"/>
+            </a:effectRef>
+            <a:fontRef idx="minor">
+              <a:schemeClr val="lt1"/>
+            </a:fontRef>
+          </p:style>
+          <p:txBody>
+            <a:bodyPr rtlCol="0" anchor="ctr"/>
+            <a:lstStyle/>
+            <a:p>
+              <a:pPr algn="ctr"/>
+              <a:endParaRPr lang="es-EC">
+                <a:ln>
+                  <a:solidFill>
+                    <a:schemeClr val="bg2">
+                      <a:lumMod val="75000"/>
+                    </a:schemeClr>
+                  </a:solidFill>
+                </a:ln>
+                <a:solidFill>
+                  <a:schemeClr val="bg2">
+                    <a:lumMod val="75000"/>
+                  </a:schemeClr>
+                </a:solidFill>
+              </a:endParaRPr>
+            </a:p>
+          </p:txBody>
+        </p:sp>
+        <p:sp>
+          <p:nvSpPr>
+            <p:cNvPr id="46" name="Rectángulo 45">
+              <a:extLst>
+                <a:ext uri="{FF2B5EF4-FFF2-40B4-BE49-F238E27FC236}">
+                  <a16:creationId xmlns:a16="http://schemas.microsoft.com/office/drawing/2014/main" id="{6B9F965D-BAFE-BAB8-CC23-DCB277C6CC76}"/>
+                </a:ext>
+              </a:extLst>
+            </p:cNvPr>
+            <p:cNvSpPr/>
+            <p:nvPr/>
+          </p:nvSpPr>
+          <p:spPr>
+            <a:xfrm>
+              <a:off x="6527336" y="5218381"/>
+              <a:ext cx="146831" cy="107266"/>
+            </a:xfrm>
+            <a:prstGeom prst="rect">
+              <a:avLst/>
+            </a:prstGeom>
+            <a:solidFill>
+              <a:schemeClr val="bg2">
+                <a:lumMod val="50000"/>
+              </a:schemeClr>
+            </a:solidFill>
+            <a:ln>
+              <a:solidFill>
+                <a:schemeClr val="tx1"/>
+              </a:solidFill>
+            </a:ln>
+          </p:spPr>
+          <p:style>
+            <a:lnRef idx="2">
+              <a:schemeClr val="accent1">
+                <a:shade val="15000"/>
+              </a:schemeClr>
+            </a:lnRef>
+            <a:fillRef idx="1">
+              <a:schemeClr val="accent1"/>
+            </a:fillRef>
+            <a:effectRef idx="0">
+              <a:schemeClr val="accent1"/>
+            </a:effectRef>
+            <a:fontRef idx="minor">
+              <a:schemeClr val="lt1"/>
+            </a:fontRef>
+          </p:style>
+          <p:txBody>
+            <a:bodyPr rtlCol="0" anchor="ctr"/>
+            <a:lstStyle/>
+            <a:p>
+              <a:pPr algn="ctr"/>
+              <a:endParaRPr lang="es-EC">
+                <a:ln>
+                  <a:solidFill>
+                    <a:schemeClr val="bg2">
+                      <a:lumMod val="75000"/>
+                    </a:schemeClr>
+                  </a:solidFill>
+                </a:ln>
+                <a:solidFill>
+                  <a:schemeClr val="bg2">
+                    <a:lumMod val="75000"/>
+                  </a:schemeClr>
+                </a:solidFill>
+              </a:endParaRPr>
+            </a:p>
+          </p:txBody>
+        </p:sp>
+        <p:sp>
+          <p:nvSpPr>
+            <p:cNvPr id="47" name="Rectángulo 46">
+              <a:extLst>
+                <a:ext uri="{FF2B5EF4-FFF2-40B4-BE49-F238E27FC236}">
+                  <a16:creationId xmlns:a16="http://schemas.microsoft.com/office/drawing/2014/main" id="{5E57F38E-4906-2A74-BDB3-EBD29457B39C}"/>
+                </a:ext>
+              </a:extLst>
+            </p:cNvPr>
+            <p:cNvSpPr/>
+            <p:nvPr/>
+          </p:nvSpPr>
+          <p:spPr>
+            <a:xfrm>
+              <a:off x="6577891" y="5325647"/>
+              <a:ext cx="45719" cy="368398"/>
+            </a:xfrm>
+            <a:prstGeom prst="rect">
+              <a:avLst/>
+            </a:prstGeom>
+            <a:solidFill>
+              <a:schemeClr val="bg2">
+                <a:lumMod val="50000"/>
+              </a:schemeClr>
+            </a:solidFill>
+            <a:ln>
+              <a:solidFill>
+                <a:schemeClr val="tx1"/>
+              </a:solidFill>
+            </a:ln>
+          </p:spPr>
+          <p:style>
+            <a:lnRef idx="2">
+              <a:schemeClr val="accent1">
+                <a:shade val="15000"/>
+              </a:schemeClr>
+            </a:lnRef>
+            <a:fillRef idx="1">
+              <a:schemeClr val="accent1"/>
+            </a:fillRef>
+            <a:effectRef idx="0">
+              <a:schemeClr val="accent1"/>
+            </a:effectRef>
+            <a:fontRef idx="minor">
+              <a:schemeClr val="lt1"/>
+            </a:fontRef>
+          </p:style>
+          <p:txBody>
+            <a:bodyPr rtlCol="0" anchor="ctr"/>
+            <a:lstStyle/>
+            <a:p>
+              <a:pPr algn="ctr"/>
+              <a:endParaRPr lang="es-EC">
+                <a:ln>
+                  <a:solidFill>
+                    <a:schemeClr val="bg2">
+                      <a:lumMod val="75000"/>
+                    </a:schemeClr>
+                  </a:solidFill>
+                </a:ln>
+                <a:solidFill>
+                  <a:schemeClr val="bg2">
+                    <a:lumMod val="75000"/>
+                  </a:schemeClr>
+                </a:solidFill>
+              </a:endParaRPr>
+            </a:p>
+          </p:txBody>
+        </p:sp>
+        <p:grpSp>
+          <p:nvGrpSpPr>
+            <p:cNvPr id="48" name="Grupo 47">
+              <a:extLst>
+                <a:ext uri="{FF2B5EF4-FFF2-40B4-BE49-F238E27FC236}">
+                  <a16:creationId xmlns:a16="http://schemas.microsoft.com/office/drawing/2014/main" id="{88BE9F10-F50A-A844-30C2-1674CA95DAFF}"/>
+                </a:ext>
+              </a:extLst>
+            </p:cNvPr>
+            <p:cNvGrpSpPr/>
+            <p:nvPr/>
+          </p:nvGrpSpPr>
+          <p:grpSpPr>
+            <a:xfrm>
+              <a:off x="6288405" y="4863465"/>
+              <a:ext cx="140970" cy="177165"/>
+              <a:chOff x="6288405" y="4863465"/>
+              <a:chExt cx="140970" cy="177165"/>
+            </a:xfrm>
+          </p:grpSpPr>
+          <p:cxnSp>
+            <p:nvCxnSpPr>
+              <p:cNvPr id="57" name="Conector recto 56">
+                <a:extLst>
+                  <a:ext uri="{FF2B5EF4-FFF2-40B4-BE49-F238E27FC236}">
+                    <a16:creationId xmlns:a16="http://schemas.microsoft.com/office/drawing/2014/main" id="{7EE3AD23-6B32-6249-2763-5732A754EE00}"/>
+                  </a:ext>
+                </a:extLst>
+              </p:cNvPr>
+              <p:cNvCxnSpPr>
+                <a:cxnSpLocks/>
+              </p:cNvCxnSpPr>
+              <p:nvPr/>
+            </p:nvCxnSpPr>
+            <p:spPr>
+              <a:xfrm>
+                <a:off x="6288405" y="4863465"/>
+                <a:ext cx="140970" cy="0"/>
+              </a:xfrm>
+              <a:prstGeom prst="line">
+                <a:avLst/>
+              </a:prstGeom>
+              <a:ln w="19050">
+                <a:solidFill>
+                  <a:schemeClr val="tx1"/>
+                </a:solidFill>
+              </a:ln>
+            </p:spPr>
+            <p:style>
+              <a:lnRef idx="1">
+                <a:schemeClr val="accent1"/>
+              </a:lnRef>
+              <a:fillRef idx="0">
+                <a:schemeClr val="accent1"/>
+              </a:fillRef>
+              <a:effectRef idx="0">
+                <a:schemeClr val="accent1"/>
+              </a:effectRef>
+              <a:fontRef idx="minor">
+                <a:schemeClr val="tx1"/>
+              </a:fontRef>
+            </p:style>
+          </p:cxnSp>
+          <p:cxnSp>
+            <p:nvCxnSpPr>
+              <p:cNvPr id="58" name="Conector recto 57">
+                <a:extLst>
+                  <a:ext uri="{FF2B5EF4-FFF2-40B4-BE49-F238E27FC236}">
+                    <a16:creationId xmlns:a16="http://schemas.microsoft.com/office/drawing/2014/main" id="{27D43008-8931-973D-FD0C-3940EF06E169}"/>
+                  </a:ext>
+                </a:extLst>
+              </p:cNvPr>
+              <p:cNvCxnSpPr>
+                <a:cxnSpLocks/>
+              </p:cNvCxnSpPr>
+              <p:nvPr/>
+            </p:nvCxnSpPr>
+            <p:spPr>
+              <a:xfrm>
+                <a:off x="6288405" y="4897755"/>
+                <a:ext cx="140970" cy="0"/>
+              </a:xfrm>
+              <a:prstGeom prst="line">
+                <a:avLst/>
+              </a:prstGeom>
+              <a:ln w="19050">
+                <a:solidFill>
+                  <a:schemeClr val="tx1"/>
+                </a:solidFill>
+              </a:ln>
+            </p:spPr>
+            <p:style>
+              <a:lnRef idx="1">
+                <a:schemeClr val="accent1"/>
+              </a:lnRef>
+              <a:fillRef idx="0">
+                <a:schemeClr val="accent1"/>
+              </a:fillRef>
+              <a:effectRef idx="0">
+                <a:schemeClr val="accent1"/>
+              </a:effectRef>
+              <a:fontRef idx="minor">
+                <a:schemeClr val="tx1"/>
+              </a:fontRef>
+            </p:style>
+          </p:cxnSp>
+          <p:cxnSp>
+            <p:nvCxnSpPr>
+              <p:cNvPr id="59" name="Conector recto 58">
+                <a:extLst>
+                  <a:ext uri="{FF2B5EF4-FFF2-40B4-BE49-F238E27FC236}">
+                    <a16:creationId xmlns:a16="http://schemas.microsoft.com/office/drawing/2014/main" id="{F6C99E7D-0BE0-2237-7AB0-54C7110F687E}"/>
+                  </a:ext>
+                </a:extLst>
+              </p:cNvPr>
+              <p:cNvCxnSpPr>
+                <a:cxnSpLocks/>
+              </p:cNvCxnSpPr>
+              <p:nvPr/>
+            </p:nvCxnSpPr>
+            <p:spPr>
+              <a:xfrm>
+                <a:off x="6288405" y="4932045"/>
+                <a:ext cx="140970" cy="0"/>
+              </a:xfrm>
+              <a:prstGeom prst="line">
+                <a:avLst/>
+              </a:prstGeom>
+              <a:ln w="19050">
+                <a:solidFill>
+                  <a:schemeClr val="tx1"/>
+                </a:solidFill>
+              </a:ln>
+            </p:spPr>
+            <p:style>
+              <a:lnRef idx="1">
+                <a:schemeClr val="accent1"/>
+              </a:lnRef>
+              <a:fillRef idx="0">
+                <a:schemeClr val="accent1"/>
+              </a:fillRef>
+              <a:effectRef idx="0">
+                <a:schemeClr val="accent1"/>
+              </a:effectRef>
+              <a:fontRef idx="minor">
+                <a:schemeClr val="tx1"/>
+              </a:fontRef>
+            </p:style>
+          </p:cxnSp>
+          <p:cxnSp>
+            <p:nvCxnSpPr>
+              <p:cNvPr id="60" name="Conector recto 59">
+                <a:extLst>
+                  <a:ext uri="{FF2B5EF4-FFF2-40B4-BE49-F238E27FC236}">
+                    <a16:creationId xmlns:a16="http://schemas.microsoft.com/office/drawing/2014/main" id="{EA78945B-885E-A430-AB7F-3170878106DB}"/>
+                  </a:ext>
+                </a:extLst>
+              </p:cNvPr>
+              <p:cNvCxnSpPr>
+                <a:cxnSpLocks/>
+              </p:cNvCxnSpPr>
+              <p:nvPr/>
+            </p:nvCxnSpPr>
+            <p:spPr>
+              <a:xfrm>
+                <a:off x="6288405" y="4968240"/>
+                <a:ext cx="140970" cy="0"/>
+              </a:xfrm>
+              <a:prstGeom prst="line">
+                <a:avLst/>
+              </a:prstGeom>
+              <a:ln w="19050">
+                <a:solidFill>
+                  <a:schemeClr val="tx1"/>
+                </a:solidFill>
+              </a:ln>
+            </p:spPr>
+            <p:style>
+              <a:lnRef idx="1">
+                <a:schemeClr val="accent1"/>
+              </a:lnRef>
+              <a:fillRef idx="0">
+                <a:schemeClr val="accent1"/>
+              </a:fillRef>
+              <a:effectRef idx="0">
+                <a:schemeClr val="accent1"/>
+              </a:effectRef>
+              <a:fontRef idx="minor">
+                <a:schemeClr val="tx1"/>
+              </a:fontRef>
+            </p:style>
+          </p:cxnSp>
+          <p:cxnSp>
+            <p:nvCxnSpPr>
+              <p:cNvPr id="61" name="Conector recto 60">
+                <a:extLst>
+                  <a:ext uri="{FF2B5EF4-FFF2-40B4-BE49-F238E27FC236}">
+                    <a16:creationId xmlns:a16="http://schemas.microsoft.com/office/drawing/2014/main" id="{1555A414-A17E-384E-60F7-F811271B1E48}"/>
+                  </a:ext>
+                </a:extLst>
+              </p:cNvPr>
+              <p:cNvCxnSpPr>
+                <a:cxnSpLocks/>
+              </p:cNvCxnSpPr>
+              <p:nvPr/>
+            </p:nvCxnSpPr>
+            <p:spPr>
+              <a:xfrm>
+                <a:off x="6288405" y="5006633"/>
+                <a:ext cx="140970" cy="0"/>
+              </a:xfrm>
+              <a:prstGeom prst="line">
+                <a:avLst/>
+              </a:prstGeom>
+              <a:ln w="19050">
+                <a:solidFill>
+                  <a:schemeClr val="tx1"/>
+                </a:solidFill>
+              </a:ln>
+            </p:spPr>
+            <p:style>
+              <a:lnRef idx="1">
+                <a:schemeClr val="accent1"/>
+              </a:lnRef>
+              <a:fillRef idx="0">
+                <a:schemeClr val="accent1"/>
+              </a:fillRef>
+              <a:effectRef idx="0">
+                <a:schemeClr val="accent1"/>
+              </a:effectRef>
+              <a:fontRef idx="minor">
+                <a:schemeClr val="tx1"/>
+              </a:fontRef>
+            </p:style>
+          </p:cxnSp>
+          <p:cxnSp>
+            <p:nvCxnSpPr>
+              <p:cNvPr id="62" name="Conector recto 61">
+                <a:extLst>
+                  <a:ext uri="{FF2B5EF4-FFF2-40B4-BE49-F238E27FC236}">
+                    <a16:creationId xmlns:a16="http://schemas.microsoft.com/office/drawing/2014/main" id="{99F5921E-C0DD-7F80-F94F-1A50D4BD54A9}"/>
+                  </a:ext>
+                </a:extLst>
+              </p:cNvPr>
+              <p:cNvCxnSpPr>
+                <a:cxnSpLocks/>
+              </p:cNvCxnSpPr>
+              <p:nvPr/>
+            </p:nvCxnSpPr>
+            <p:spPr>
+              <a:xfrm>
+                <a:off x="6288405" y="5040630"/>
+                <a:ext cx="140970" cy="0"/>
+              </a:xfrm>
+              <a:prstGeom prst="line">
+                <a:avLst/>
+              </a:prstGeom>
+              <a:ln w="19050">
+                <a:solidFill>
+                  <a:schemeClr val="tx1"/>
+                </a:solidFill>
+              </a:ln>
+            </p:spPr>
+            <p:style>
+              <a:lnRef idx="1">
+                <a:schemeClr val="accent1"/>
+              </a:lnRef>
+              <a:fillRef idx="0">
+                <a:schemeClr val="accent1"/>
+              </a:fillRef>
+              <a:effectRef idx="0">
+                <a:schemeClr val="accent1"/>
+              </a:effectRef>
+              <a:fontRef idx="minor">
+                <a:schemeClr val="tx1"/>
+              </a:fontRef>
+            </p:style>
+          </p:cxnSp>
+        </p:grpSp>
+        <p:grpSp>
+          <p:nvGrpSpPr>
+            <p:cNvPr id="49" name="Grupo 48">
+              <a:extLst>
+                <a:ext uri="{FF2B5EF4-FFF2-40B4-BE49-F238E27FC236}">
+                  <a16:creationId xmlns:a16="http://schemas.microsoft.com/office/drawing/2014/main" id="{7E7F9123-7B4E-1033-673C-28FCC1A4E165}"/>
+                </a:ext>
+              </a:extLst>
+            </p:cNvPr>
+            <p:cNvGrpSpPr/>
+            <p:nvPr/>
+          </p:nvGrpSpPr>
+          <p:grpSpPr>
+            <a:xfrm>
+              <a:off x="6785610" y="4863465"/>
+              <a:ext cx="140970" cy="177165"/>
+              <a:chOff x="6288405" y="4863465"/>
+              <a:chExt cx="140970" cy="177165"/>
+            </a:xfrm>
+          </p:grpSpPr>
+          <p:cxnSp>
+            <p:nvCxnSpPr>
+              <p:cNvPr id="51" name="Conector recto 50">
+                <a:extLst>
+                  <a:ext uri="{FF2B5EF4-FFF2-40B4-BE49-F238E27FC236}">
+                    <a16:creationId xmlns:a16="http://schemas.microsoft.com/office/drawing/2014/main" id="{FA4BEB39-B535-1A11-1BB3-39F80589B3B7}"/>
+                  </a:ext>
+                </a:extLst>
+              </p:cNvPr>
+              <p:cNvCxnSpPr>
+                <a:cxnSpLocks/>
+              </p:cNvCxnSpPr>
+              <p:nvPr/>
+            </p:nvCxnSpPr>
+            <p:spPr>
+              <a:xfrm>
+                <a:off x="6288405" y="4863465"/>
+                <a:ext cx="140970" cy="0"/>
+              </a:xfrm>
+              <a:prstGeom prst="line">
+                <a:avLst/>
+              </a:prstGeom>
+              <a:ln w="19050">
+                <a:solidFill>
+                  <a:schemeClr val="tx1"/>
+                </a:solidFill>
+              </a:ln>
+            </p:spPr>
+            <p:style>
+              <a:lnRef idx="1">
+                <a:schemeClr val="accent1"/>
+              </a:lnRef>
+              <a:fillRef idx="0">
+                <a:schemeClr val="accent1"/>
+              </a:fillRef>
+              <a:effectRef idx="0">
+                <a:schemeClr val="accent1"/>
+              </a:effectRef>
+              <a:fontRef idx="minor">
+                <a:schemeClr val="tx1"/>
+              </a:fontRef>
+            </p:style>
+          </p:cxnSp>
+          <p:cxnSp>
+            <p:nvCxnSpPr>
+              <p:cNvPr id="52" name="Conector recto 51">
+                <a:extLst>
+                  <a:ext uri="{FF2B5EF4-FFF2-40B4-BE49-F238E27FC236}">
+                    <a16:creationId xmlns:a16="http://schemas.microsoft.com/office/drawing/2014/main" id="{642DBF45-DB66-3705-0BED-954C668CDF1E}"/>
+                  </a:ext>
+                </a:extLst>
+              </p:cNvPr>
+              <p:cNvCxnSpPr>
+                <a:cxnSpLocks/>
+              </p:cNvCxnSpPr>
+              <p:nvPr/>
+            </p:nvCxnSpPr>
+            <p:spPr>
+              <a:xfrm>
+                <a:off x="6288405" y="4897755"/>
+                <a:ext cx="140970" cy="0"/>
+              </a:xfrm>
+              <a:prstGeom prst="line">
+                <a:avLst/>
+              </a:prstGeom>
+              <a:ln w="19050">
+                <a:solidFill>
+                  <a:schemeClr val="tx1"/>
+                </a:solidFill>
+              </a:ln>
+            </p:spPr>
+            <p:style>
+              <a:lnRef idx="1">
+                <a:schemeClr val="accent1"/>
+              </a:lnRef>
+              <a:fillRef idx="0">
+                <a:schemeClr val="accent1"/>
+              </a:fillRef>
+              <a:effectRef idx="0">
+                <a:schemeClr val="accent1"/>
+              </a:effectRef>
+              <a:fontRef idx="minor">
+                <a:schemeClr val="tx1"/>
+              </a:fontRef>
+            </p:style>
+          </p:cxnSp>
+          <p:cxnSp>
+            <p:nvCxnSpPr>
+              <p:cNvPr id="53" name="Conector recto 52">
+                <a:extLst>
+                  <a:ext uri="{FF2B5EF4-FFF2-40B4-BE49-F238E27FC236}">
+                    <a16:creationId xmlns:a16="http://schemas.microsoft.com/office/drawing/2014/main" id="{5B46D82E-E95B-D2D5-E6A5-241C8448367A}"/>
+                  </a:ext>
+                </a:extLst>
+              </p:cNvPr>
+              <p:cNvCxnSpPr>
+                <a:cxnSpLocks/>
+              </p:cNvCxnSpPr>
+              <p:nvPr/>
+            </p:nvCxnSpPr>
+            <p:spPr>
+              <a:xfrm>
+                <a:off x="6288405" y="4932045"/>
+                <a:ext cx="140970" cy="0"/>
+              </a:xfrm>
+              <a:prstGeom prst="line">
+                <a:avLst/>
+              </a:prstGeom>
+              <a:ln w="19050">
+                <a:solidFill>
+                  <a:schemeClr val="tx1"/>
+                </a:solidFill>
+              </a:ln>
+            </p:spPr>
+            <p:style>
+              <a:lnRef idx="1">
+                <a:schemeClr val="accent1"/>
+              </a:lnRef>
+              <a:fillRef idx="0">
+                <a:schemeClr val="accent1"/>
+              </a:fillRef>
+              <a:effectRef idx="0">
+                <a:schemeClr val="accent1"/>
+              </a:effectRef>
+              <a:fontRef idx="minor">
+                <a:schemeClr val="tx1"/>
+              </a:fontRef>
+            </p:style>
+          </p:cxnSp>
+          <p:cxnSp>
+            <p:nvCxnSpPr>
+              <p:cNvPr id="54" name="Conector recto 53">
+                <a:extLst>
+                  <a:ext uri="{FF2B5EF4-FFF2-40B4-BE49-F238E27FC236}">
+                    <a16:creationId xmlns:a16="http://schemas.microsoft.com/office/drawing/2014/main" id="{AA520B24-F401-F17E-1353-398735D79BD8}"/>
+                  </a:ext>
+                </a:extLst>
+              </p:cNvPr>
+              <p:cNvCxnSpPr>
+                <a:cxnSpLocks/>
+              </p:cNvCxnSpPr>
+              <p:nvPr/>
+            </p:nvCxnSpPr>
+            <p:spPr>
+              <a:xfrm>
+                <a:off x="6288405" y="4968240"/>
+                <a:ext cx="140970" cy="0"/>
+              </a:xfrm>
+              <a:prstGeom prst="line">
+                <a:avLst/>
+              </a:prstGeom>
+              <a:ln w="19050">
+                <a:solidFill>
+                  <a:schemeClr val="tx1"/>
+                </a:solidFill>
+              </a:ln>
+            </p:spPr>
+            <p:style>
+              <a:lnRef idx="1">
+                <a:schemeClr val="accent1"/>
+              </a:lnRef>
+              <a:fillRef idx="0">
+                <a:schemeClr val="accent1"/>
+              </a:fillRef>
+              <a:effectRef idx="0">
+                <a:schemeClr val="accent1"/>
+              </a:effectRef>
+              <a:fontRef idx="minor">
+                <a:schemeClr val="tx1"/>
+              </a:fontRef>
+            </p:style>
+          </p:cxnSp>
+          <p:cxnSp>
+            <p:nvCxnSpPr>
+              <p:cNvPr id="55" name="Conector recto 54">
+                <a:extLst>
+                  <a:ext uri="{FF2B5EF4-FFF2-40B4-BE49-F238E27FC236}">
+                    <a16:creationId xmlns:a16="http://schemas.microsoft.com/office/drawing/2014/main" id="{354CD196-4B6E-1EBF-2FC6-075F38632D37}"/>
+                  </a:ext>
+                </a:extLst>
+              </p:cNvPr>
+              <p:cNvCxnSpPr>
+                <a:cxnSpLocks/>
+              </p:cNvCxnSpPr>
+              <p:nvPr/>
+            </p:nvCxnSpPr>
+            <p:spPr>
+              <a:xfrm>
+                <a:off x="6288405" y="5006633"/>
+                <a:ext cx="140970" cy="0"/>
+              </a:xfrm>
+              <a:prstGeom prst="line">
+                <a:avLst/>
+              </a:prstGeom>
+              <a:ln w="19050">
+                <a:solidFill>
+                  <a:schemeClr val="tx1"/>
+                </a:solidFill>
+              </a:ln>
+            </p:spPr>
+            <p:style>
+              <a:lnRef idx="1">
+                <a:schemeClr val="accent1"/>
+              </a:lnRef>
+              <a:fillRef idx="0">
+                <a:schemeClr val="accent1"/>
+              </a:fillRef>
+              <a:effectRef idx="0">
+                <a:schemeClr val="accent1"/>
+              </a:effectRef>
+              <a:fontRef idx="minor">
+                <a:schemeClr val="tx1"/>
+              </a:fontRef>
+            </p:style>
+          </p:cxnSp>
+          <p:cxnSp>
+            <p:nvCxnSpPr>
+              <p:cNvPr id="56" name="Conector recto 55">
+                <a:extLst>
+                  <a:ext uri="{FF2B5EF4-FFF2-40B4-BE49-F238E27FC236}">
+                    <a16:creationId xmlns:a16="http://schemas.microsoft.com/office/drawing/2014/main" id="{9471F730-7905-A8E1-3BF3-7AAC67C461E0}"/>
+                  </a:ext>
+                </a:extLst>
+              </p:cNvPr>
+              <p:cNvCxnSpPr>
+                <a:cxnSpLocks/>
+              </p:cNvCxnSpPr>
+              <p:nvPr/>
+            </p:nvCxnSpPr>
+            <p:spPr>
+              <a:xfrm>
+                <a:off x="6288405" y="5040630"/>
+                <a:ext cx="140970" cy="0"/>
+              </a:xfrm>
+              <a:prstGeom prst="line">
+                <a:avLst/>
+              </a:prstGeom>
+              <a:ln w="19050">
+                <a:solidFill>
+                  <a:schemeClr val="tx1"/>
+                </a:solidFill>
+              </a:ln>
+            </p:spPr>
+            <p:style>
+              <a:lnRef idx="1">
+                <a:schemeClr val="accent1"/>
+              </a:lnRef>
+              <a:fillRef idx="0">
+                <a:schemeClr val="accent1"/>
+              </a:fillRef>
+              <a:effectRef idx="0">
+                <a:schemeClr val="accent1"/>
+              </a:effectRef>
+              <a:fontRef idx="minor">
+                <a:schemeClr val="tx1"/>
+              </a:fontRef>
+            </p:style>
+          </p:cxnSp>
+        </p:grpSp>
+        <p:sp>
+          <p:nvSpPr>
+            <p:cNvPr id="50" name="Elipse 49">
+              <a:extLst>
+                <a:ext uri="{FF2B5EF4-FFF2-40B4-BE49-F238E27FC236}">
+                  <a16:creationId xmlns:a16="http://schemas.microsoft.com/office/drawing/2014/main" id="{4CBFE235-01FC-FED7-9778-621BF801792E}"/>
+                </a:ext>
+              </a:extLst>
+            </p:cNvPr>
+            <p:cNvSpPr/>
+            <p:nvPr/>
+          </p:nvSpPr>
+          <p:spPr>
+            <a:xfrm>
+              <a:off x="6852285" y="5124459"/>
+              <a:ext cx="64770" cy="59046"/>
+            </a:xfrm>
+            <a:prstGeom prst="ellipse">
+              <a:avLst/>
+            </a:prstGeom>
+            <a:solidFill>
+              <a:srgbClr val="C00000"/>
+            </a:solidFill>
+            <a:ln>
+              <a:noFill/>
+            </a:ln>
+          </p:spPr>
+          <p:style>
+            <a:lnRef idx="2">
+              <a:schemeClr val="accent1">
+                <a:shade val="15000"/>
+              </a:schemeClr>
+            </a:lnRef>
+            <a:fillRef idx="1">
+              <a:schemeClr val="accent1"/>
+            </a:fillRef>
+            <a:effectRef idx="0">
+              <a:schemeClr val="accent1"/>
+            </a:effectRef>
+            <a:fontRef idx="minor">
+              <a:schemeClr val="lt1"/>
+            </a:fontRef>
+          </p:style>
+          <p:txBody>
+            <a:bodyPr rtlCol="0" anchor="ctr"/>
+            <a:lstStyle/>
+            <a:p>
+              <a:pPr algn="ctr"/>
+              <a:endParaRPr lang="es-EC"/>
+            </a:p>
+          </p:txBody>
+        </p:sp>
+      </p:grpSp>
+      <p:grpSp>
+        <p:nvGrpSpPr>
+          <p:cNvPr id="63" name="Grupo 62">
+            <a:extLst>
+              <a:ext uri="{FF2B5EF4-FFF2-40B4-BE49-F238E27FC236}">
+                <a16:creationId xmlns:a16="http://schemas.microsoft.com/office/drawing/2014/main" id="{FD23BB0D-3088-B549-C1FE-6CC8541D86EE}"/>
+              </a:ext>
+            </a:extLst>
+          </p:cNvPr>
+          <p:cNvGrpSpPr/>
+          <p:nvPr/>
+        </p:nvGrpSpPr>
+        <p:grpSpPr>
+          <a:xfrm>
+            <a:off x="7273099" y="5451636"/>
+            <a:ext cx="758336" cy="1110036"/>
+            <a:chOff x="6221584" y="4794885"/>
+            <a:chExt cx="758336" cy="900229"/>
+          </a:xfrm>
+        </p:grpSpPr>
+        <p:sp>
+          <p:nvSpPr>
+            <p:cNvPr id="64" name="Rectángulo 63">
+              <a:extLst>
+                <a:ext uri="{FF2B5EF4-FFF2-40B4-BE49-F238E27FC236}">
+                  <a16:creationId xmlns:a16="http://schemas.microsoft.com/office/drawing/2014/main" id="{E97214BB-49A9-1DA5-FA89-AD147E9B071C}"/>
+                </a:ext>
+              </a:extLst>
+            </p:cNvPr>
+            <p:cNvSpPr/>
+            <p:nvPr/>
+          </p:nvSpPr>
+          <p:spPr>
+            <a:xfrm>
+              <a:off x="6221584" y="4794885"/>
+              <a:ext cx="758336" cy="423496"/>
+            </a:xfrm>
+            <a:prstGeom prst="rect">
+              <a:avLst/>
+            </a:prstGeom>
+            <a:solidFill>
+              <a:schemeClr val="bg2">
+                <a:lumMod val="50000"/>
+              </a:schemeClr>
+            </a:solidFill>
+            <a:ln>
+              <a:solidFill>
+                <a:schemeClr val="tx1"/>
+              </a:solidFill>
+            </a:ln>
+          </p:spPr>
+          <p:style>
+            <a:lnRef idx="2">
+              <a:schemeClr val="accent1">
+                <a:shade val="15000"/>
+              </a:schemeClr>
+            </a:lnRef>
+            <a:fillRef idx="1">
+              <a:schemeClr val="accent1"/>
+            </a:fillRef>
+            <a:effectRef idx="0">
+              <a:schemeClr val="accent1"/>
+            </a:effectRef>
+            <a:fontRef idx="minor">
+              <a:schemeClr val="lt1"/>
+            </a:fontRef>
+          </p:style>
+          <p:txBody>
+            <a:bodyPr rtlCol="0" anchor="ctr"/>
+            <a:lstStyle/>
+            <a:p>
+              <a:pPr algn="ctr"/>
+              <a:endParaRPr lang="es-EC">
+                <a:ln>
+                  <a:solidFill>
+                    <a:schemeClr val="bg2">
+                      <a:lumMod val="75000"/>
+                    </a:schemeClr>
+                  </a:solidFill>
+                </a:ln>
+                <a:solidFill>
+                  <a:schemeClr val="bg2">
+                    <a:lumMod val="75000"/>
+                  </a:schemeClr>
+                </a:solidFill>
+              </a:endParaRPr>
+            </a:p>
+          </p:txBody>
+        </p:sp>
+        <p:sp>
+          <p:nvSpPr>
+            <p:cNvPr id="65" name="Rectángulo 64">
+              <a:extLst>
+                <a:ext uri="{FF2B5EF4-FFF2-40B4-BE49-F238E27FC236}">
+                  <a16:creationId xmlns:a16="http://schemas.microsoft.com/office/drawing/2014/main" id="{2354E34D-DFD5-B088-AA51-D9E164703780}"/>
+                </a:ext>
+              </a:extLst>
+            </p:cNvPr>
+            <p:cNvSpPr/>
+            <p:nvPr/>
+          </p:nvSpPr>
+          <p:spPr>
+            <a:xfrm>
+              <a:off x="6494569" y="5218381"/>
+              <a:ext cx="212362" cy="107266"/>
+            </a:xfrm>
+            <a:prstGeom prst="rect">
+              <a:avLst/>
+            </a:prstGeom>
+            <a:solidFill>
+              <a:schemeClr val="bg2">
+                <a:lumMod val="50000"/>
+              </a:schemeClr>
+            </a:solidFill>
+            <a:ln>
+              <a:solidFill>
+                <a:schemeClr val="tx1"/>
+              </a:solidFill>
+            </a:ln>
+          </p:spPr>
+          <p:style>
+            <a:lnRef idx="2">
+              <a:schemeClr val="accent1">
+                <a:shade val="15000"/>
+              </a:schemeClr>
+            </a:lnRef>
+            <a:fillRef idx="1">
+              <a:schemeClr val="accent1"/>
+            </a:fillRef>
+            <a:effectRef idx="0">
+              <a:schemeClr val="accent1"/>
+            </a:effectRef>
+            <a:fontRef idx="minor">
+              <a:schemeClr val="lt1"/>
+            </a:fontRef>
+          </p:style>
+          <p:txBody>
+            <a:bodyPr rtlCol="0" anchor="ctr"/>
+            <a:lstStyle/>
+            <a:p>
+              <a:pPr algn="ctr"/>
+              <a:endParaRPr lang="es-EC">
+                <a:ln>
+                  <a:solidFill>
+                    <a:schemeClr val="bg2">
+                      <a:lumMod val="75000"/>
+                    </a:schemeClr>
+                  </a:solidFill>
+                </a:ln>
+                <a:solidFill>
+                  <a:schemeClr val="bg2">
+                    <a:lumMod val="75000"/>
+                  </a:schemeClr>
+                </a:solidFill>
+              </a:endParaRPr>
+            </a:p>
+          </p:txBody>
+        </p:sp>
+        <p:sp>
+          <p:nvSpPr>
+            <p:cNvPr id="66" name="Rectángulo 65">
+              <a:extLst>
+                <a:ext uri="{FF2B5EF4-FFF2-40B4-BE49-F238E27FC236}">
+                  <a16:creationId xmlns:a16="http://schemas.microsoft.com/office/drawing/2014/main" id="{3089C676-3B0B-14A9-CF55-FA83C92AEC15}"/>
+                </a:ext>
+              </a:extLst>
+            </p:cNvPr>
+            <p:cNvSpPr/>
+            <p:nvPr/>
+          </p:nvSpPr>
+          <p:spPr>
+            <a:xfrm>
+              <a:off x="6550327" y="5326716"/>
+              <a:ext cx="100845" cy="368398"/>
+            </a:xfrm>
+            <a:prstGeom prst="rect">
+              <a:avLst/>
+            </a:prstGeom>
+            <a:solidFill>
+              <a:schemeClr val="bg2">
+                <a:lumMod val="50000"/>
+              </a:schemeClr>
+            </a:solidFill>
+            <a:ln>
+              <a:solidFill>
+                <a:schemeClr val="tx1"/>
+              </a:solidFill>
+            </a:ln>
+          </p:spPr>
+          <p:style>
+            <a:lnRef idx="2">
+              <a:schemeClr val="accent1">
+                <a:shade val="15000"/>
+              </a:schemeClr>
+            </a:lnRef>
+            <a:fillRef idx="1">
+              <a:schemeClr val="accent1"/>
+            </a:fillRef>
+            <a:effectRef idx="0">
+              <a:schemeClr val="accent1"/>
+            </a:effectRef>
+            <a:fontRef idx="minor">
+              <a:schemeClr val="lt1"/>
+            </a:fontRef>
+          </p:style>
+          <p:txBody>
+            <a:bodyPr rtlCol="0" anchor="ctr"/>
+            <a:lstStyle/>
+            <a:p>
+              <a:pPr algn="ctr"/>
+              <a:endParaRPr lang="es-EC" dirty="0">
+                <a:ln>
+                  <a:solidFill>
+                    <a:schemeClr val="bg2">
+                      <a:lumMod val="75000"/>
+                    </a:schemeClr>
+                  </a:solidFill>
+                </a:ln>
+                <a:solidFill>
+                  <a:schemeClr val="bg2">
+                    <a:lumMod val="75000"/>
+                  </a:schemeClr>
+                </a:solidFill>
+              </a:endParaRPr>
+            </a:p>
+          </p:txBody>
+        </p:sp>
+        <p:grpSp>
+          <p:nvGrpSpPr>
+            <p:cNvPr id="67" name="Grupo 66">
+              <a:extLst>
+                <a:ext uri="{FF2B5EF4-FFF2-40B4-BE49-F238E27FC236}">
+                  <a16:creationId xmlns:a16="http://schemas.microsoft.com/office/drawing/2014/main" id="{D5D684B0-EC9F-5568-CB23-68A397B40B47}"/>
+                </a:ext>
+              </a:extLst>
+            </p:cNvPr>
+            <p:cNvGrpSpPr/>
+            <p:nvPr/>
+          </p:nvGrpSpPr>
+          <p:grpSpPr>
+            <a:xfrm>
+              <a:off x="6256020" y="4862903"/>
+              <a:ext cx="140970" cy="177165"/>
+              <a:chOff x="6256020" y="4862903"/>
+              <a:chExt cx="140970" cy="177165"/>
+            </a:xfrm>
+          </p:grpSpPr>
+          <p:cxnSp>
+            <p:nvCxnSpPr>
+              <p:cNvPr id="76" name="Conector recto 75">
+                <a:extLst>
+                  <a:ext uri="{FF2B5EF4-FFF2-40B4-BE49-F238E27FC236}">
+                    <a16:creationId xmlns:a16="http://schemas.microsoft.com/office/drawing/2014/main" id="{568CBC33-07CC-5352-ACAC-6D5FAFDF59D7}"/>
+                  </a:ext>
+                </a:extLst>
+              </p:cNvPr>
+              <p:cNvCxnSpPr>
+                <a:cxnSpLocks/>
+              </p:cNvCxnSpPr>
+              <p:nvPr/>
+            </p:nvCxnSpPr>
+            <p:spPr>
+              <a:xfrm>
+                <a:off x="6256020" y="4862903"/>
+                <a:ext cx="140970" cy="0"/>
+              </a:xfrm>
+              <a:prstGeom prst="line">
+                <a:avLst/>
+              </a:prstGeom>
+              <a:ln w="19050">
+                <a:solidFill>
+                  <a:schemeClr val="tx1"/>
+                </a:solidFill>
+              </a:ln>
+            </p:spPr>
+            <p:style>
+              <a:lnRef idx="1">
+                <a:schemeClr val="accent1"/>
+              </a:lnRef>
+              <a:fillRef idx="0">
+                <a:schemeClr val="accent1"/>
+              </a:fillRef>
+              <a:effectRef idx="0">
+                <a:schemeClr val="accent1"/>
+              </a:effectRef>
+              <a:fontRef idx="minor">
+                <a:schemeClr val="tx1"/>
+              </a:fontRef>
+            </p:style>
+          </p:cxnSp>
+          <p:cxnSp>
+            <p:nvCxnSpPr>
+              <p:cNvPr id="77" name="Conector recto 76">
+                <a:extLst>
+                  <a:ext uri="{FF2B5EF4-FFF2-40B4-BE49-F238E27FC236}">
+                    <a16:creationId xmlns:a16="http://schemas.microsoft.com/office/drawing/2014/main" id="{DFD2C509-D976-6FAE-1C62-20442D660356}"/>
+                  </a:ext>
+                </a:extLst>
+              </p:cNvPr>
+              <p:cNvCxnSpPr>
+                <a:cxnSpLocks/>
+              </p:cNvCxnSpPr>
+              <p:nvPr/>
+            </p:nvCxnSpPr>
+            <p:spPr>
+              <a:xfrm>
+                <a:off x="6256020" y="4897194"/>
+                <a:ext cx="140970" cy="0"/>
+              </a:xfrm>
+              <a:prstGeom prst="line">
+                <a:avLst/>
+              </a:prstGeom>
+              <a:ln w="19050">
+                <a:solidFill>
+                  <a:schemeClr val="tx1"/>
+                </a:solidFill>
+              </a:ln>
+            </p:spPr>
+            <p:style>
+              <a:lnRef idx="1">
+                <a:schemeClr val="accent1"/>
+              </a:lnRef>
+              <a:fillRef idx="0">
+                <a:schemeClr val="accent1"/>
+              </a:fillRef>
+              <a:effectRef idx="0">
+                <a:schemeClr val="accent1"/>
+              </a:effectRef>
+              <a:fontRef idx="minor">
+                <a:schemeClr val="tx1"/>
+              </a:fontRef>
+            </p:style>
+          </p:cxnSp>
+          <p:cxnSp>
+            <p:nvCxnSpPr>
+              <p:cNvPr id="78" name="Conector recto 77">
+                <a:extLst>
+                  <a:ext uri="{FF2B5EF4-FFF2-40B4-BE49-F238E27FC236}">
+                    <a16:creationId xmlns:a16="http://schemas.microsoft.com/office/drawing/2014/main" id="{203AACDD-83B0-4BB6-93B4-429BEEE8BA90}"/>
+                  </a:ext>
+                </a:extLst>
+              </p:cNvPr>
+              <p:cNvCxnSpPr>
+                <a:cxnSpLocks/>
+              </p:cNvCxnSpPr>
+              <p:nvPr/>
+            </p:nvCxnSpPr>
+            <p:spPr>
+              <a:xfrm>
+                <a:off x="6256020" y="4931483"/>
+                <a:ext cx="140970" cy="0"/>
+              </a:xfrm>
+              <a:prstGeom prst="line">
+                <a:avLst/>
+              </a:prstGeom>
+              <a:ln w="19050">
+                <a:solidFill>
+                  <a:schemeClr val="tx1"/>
+                </a:solidFill>
+              </a:ln>
+            </p:spPr>
+            <p:style>
+              <a:lnRef idx="1">
+                <a:schemeClr val="accent1"/>
+              </a:lnRef>
+              <a:fillRef idx="0">
+                <a:schemeClr val="accent1"/>
+              </a:fillRef>
+              <a:effectRef idx="0">
+                <a:schemeClr val="accent1"/>
+              </a:effectRef>
+              <a:fontRef idx="minor">
+                <a:schemeClr val="tx1"/>
+              </a:fontRef>
+            </p:style>
+          </p:cxnSp>
+          <p:cxnSp>
+            <p:nvCxnSpPr>
+              <p:cNvPr id="79" name="Conector recto 78">
+                <a:extLst>
+                  <a:ext uri="{FF2B5EF4-FFF2-40B4-BE49-F238E27FC236}">
+                    <a16:creationId xmlns:a16="http://schemas.microsoft.com/office/drawing/2014/main" id="{90FA92FC-8F5B-B5CA-9B6C-B27EA89F9633}"/>
+                  </a:ext>
+                </a:extLst>
+              </p:cNvPr>
+              <p:cNvCxnSpPr>
+                <a:cxnSpLocks/>
+              </p:cNvCxnSpPr>
+              <p:nvPr/>
+            </p:nvCxnSpPr>
+            <p:spPr>
+              <a:xfrm>
+                <a:off x="6256020" y="4967679"/>
+                <a:ext cx="140970" cy="0"/>
+              </a:xfrm>
+              <a:prstGeom prst="line">
+                <a:avLst/>
+              </a:prstGeom>
+              <a:ln w="19050">
+                <a:solidFill>
+                  <a:schemeClr val="tx1"/>
+                </a:solidFill>
+              </a:ln>
+            </p:spPr>
+            <p:style>
+              <a:lnRef idx="1">
+                <a:schemeClr val="accent1"/>
+              </a:lnRef>
+              <a:fillRef idx="0">
+                <a:schemeClr val="accent1"/>
+              </a:fillRef>
+              <a:effectRef idx="0">
+                <a:schemeClr val="accent1"/>
+              </a:effectRef>
+              <a:fontRef idx="minor">
+                <a:schemeClr val="tx1"/>
+              </a:fontRef>
+            </p:style>
+          </p:cxnSp>
+          <p:cxnSp>
+            <p:nvCxnSpPr>
+              <p:cNvPr id="80" name="Conector recto 79">
+                <a:extLst>
+                  <a:ext uri="{FF2B5EF4-FFF2-40B4-BE49-F238E27FC236}">
+                    <a16:creationId xmlns:a16="http://schemas.microsoft.com/office/drawing/2014/main" id="{F551AE00-BD15-86C8-9FD7-2CCF7592D89A}"/>
+                  </a:ext>
+                </a:extLst>
+              </p:cNvPr>
+              <p:cNvCxnSpPr>
+                <a:cxnSpLocks/>
+              </p:cNvCxnSpPr>
+              <p:nvPr/>
+            </p:nvCxnSpPr>
+            <p:spPr>
+              <a:xfrm>
+                <a:off x="6256020" y="5006072"/>
+                <a:ext cx="140970" cy="0"/>
+              </a:xfrm>
+              <a:prstGeom prst="line">
+                <a:avLst/>
+              </a:prstGeom>
+              <a:ln w="19050">
+                <a:solidFill>
+                  <a:schemeClr val="tx1"/>
+                </a:solidFill>
+              </a:ln>
+            </p:spPr>
+            <p:style>
+              <a:lnRef idx="1">
+                <a:schemeClr val="accent1"/>
+              </a:lnRef>
+              <a:fillRef idx="0">
+                <a:schemeClr val="accent1"/>
+              </a:fillRef>
+              <a:effectRef idx="0">
+                <a:schemeClr val="accent1"/>
+              </a:effectRef>
+              <a:fontRef idx="minor">
+                <a:schemeClr val="tx1"/>
+              </a:fontRef>
+            </p:style>
+          </p:cxnSp>
+          <p:cxnSp>
+            <p:nvCxnSpPr>
+              <p:cNvPr id="81" name="Conector recto 80">
+                <a:extLst>
+                  <a:ext uri="{FF2B5EF4-FFF2-40B4-BE49-F238E27FC236}">
+                    <a16:creationId xmlns:a16="http://schemas.microsoft.com/office/drawing/2014/main" id="{98B5D155-5018-F184-9291-0B2BAB7DBC92}"/>
+                  </a:ext>
+                </a:extLst>
+              </p:cNvPr>
+              <p:cNvCxnSpPr>
+                <a:cxnSpLocks/>
+              </p:cNvCxnSpPr>
+              <p:nvPr/>
+            </p:nvCxnSpPr>
+            <p:spPr>
+              <a:xfrm>
+                <a:off x="6256020" y="5040068"/>
+                <a:ext cx="140970" cy="0"/>
+              </a:xfrm>
+              <a:prstGeom prst="line">
+                <a:avLst/>
+              </a:prstGeom>
+              <a:ln w="19050">
+                <a:solidFill>
+                  <a:schemeClr val="tx1"/>
+                </a:solidFill>
+              </a:ln>
+            </p:spPr>
+            <p:style>
+              <a:lnRef idx="1">
+                <a:schemeClr val="accent1"/>
+              </a:lnRef>
+              <a:fillRef idx="0">
+                <a:schemeClr val="accent1"/>
+              </a:fillRef>
+              <a:effectRef idx="0">
+                <a:schemeClr val="accent1"/>
+              </a:effectRef>
+              <a:fontRef idx="minor">
+                <a:schemeClr val="tx1"/>
+              </a:fontRef>
+            </p:style>
+          </p:cxnSp>
+        </p:grpSp>
+        <p:grpSp>
+          <p:nvGrpSpPr>
+            <p:cNvPr id="68" name="Grupo 67">
+              <a:extLst>
+                <a:ext uri="{FF2B5EF4-FFF2-40B4-BE49-F238E27FC236}">
+                  <a16:creationId xmlns:a16="http://schemas.microsoft.com/office/drawing/2014/main" id="{580149BA-7F32-12E0-36B4-EE2538E9210A}"/>
+                </a:ext>
+              </a:extLst>
+            </p:cNvPr>
+            <p:cNvGrpSpPr/>
+            <p:nvPr/>
+          </p:nvGrpSpPr>
+          <p:grpSpPr>
+            <a:xfrm>
+              <a:off x="6810330" y="4862904"/>
+              <a:ext cx="140970" cy="177165"/>
+              <a:chOff x="6313125" y="4862904"/>
+              <a:chExt cx="140970" cy="177165"/>
+            </a:xfrm>
+          </p:grpSpPr>
+          <p:cxnSp>
+            <p:nvCxnSpPr>
+              <p:cNvPr id="70" name="Conector recto 69">
+                <a:extLst>
+                  <a:ext uri="{FF2B5EF4-FFF2-40B4-BE49-F238E27FC236}">
+                    <a16:creationId xmlns:a16="http://schemas.microsoft.com/office/drawing/2014/main" id="{3A0E3A5F-6CF2-881C-6177-3A427CD4250C}"/>
+                  </a:ext>
+                </a:extLst>
+              </p:cNvPr>
+              <p:cNvCxnSpPr>
+                <a:cxnSpLocks/>
+              </p:cNvCxnSpPr>
+              <p:nvPr/>
+            </p:nvCxnSpPr>
+            <p:spPr>
+              <a:xfrm>
+                <a:off x="6313125" y="4862904"/>
+                <a:ext cx="140970" cy="0"/>
+              </a:xfrm>
+              <a:prstGeom prst="line">
+                <a:avLst/>
+              </a:prstGeom>
+              <a:ln w="19050">
+                <a:solidFill>
+                  <a:schemeClr val="tx1"/>
+                </a:solidFill>
+              </a:ln>
+            </p:spPr>
+            <p:style>
+              <a:lnRef idx="1">
+                <a:schemeClr val="accent1"/>
+              </a:lnRef>
+              <a:fillRef idx="0">
+                <a:schemeClr val="accent1"/>
+              </a:fillRef>
+              <a:effectRef idx="0">
+                <a:schemeClr val="accent1"/>
+              </a:effectRef>
+              <a:fontRef idx="minor">
+                <a:schemeClr val="tx1"/>
+              </a:fontRef>
+            </p:style>
+          </p:cxnSp>
+          <p:cxnSp>
+            <p:nvCxnSpPr>
+              <p:cNvPr id="71" name="Conector recto 70">
+                <a:extLst>
+                  <a:ext uri="{FF2B5EF4-FFF2-40B4-BE49-F238E27FC236}">
+                    <a16:creationId xmlns:a16="http://schemas.microsoft.com/office/drawing/2014/main" id="{A7B9DA1F-A646-57B5-97D0-28228E1112F1}"/>
+                  </a:ext>
+                </a:extLst>
+              </p:cNvPr>
+              <p:cNvCxnSpPr>
+                <a:cxnSpLocks/>
+              </p:cNvCxnSpPr>
+              <p:nvPr/>
+            </p:nvCxnSpPr>
+            <p:spPr>
+              <a:xfrm>
+                <a:off x="6313125" y="4897194"/>
+                <a:ext cx="140970" cy="0"/>
+              </a:xfrm>
+              <a:prstGeom prst="line">
+                <a:avLst/>
+              </a:prstGeom>
+              <a:ln w="19050">
+                <a:solidFill>
+                  <a:schemeClr val="tx1"/>
+                </a:solidFill>
+              </a:ln>
+            </p:spPr>
+            <p:style>
+              <a:lnRef idx="1">
+                <a:schemeClr val="accent1"/>
+              </a:lnRef>
+              <a:fillRef idx="0">
+                <a:schemeClr val="accent1"/>
+              </a:fillRef>
+              <a:effectRef idx="0">
+                <a:schemeClr val="accent1"/>
+              </a:effectRef>
+              <a:fontRef idx="minor">
+                <a:schemeClr val="tx1"/>
+              </a:fontRef>
+            </p:style>
+          </p:cxnSp>
+          <p:cxnSp>
+            <p:nvCxnSpPr>
+              <p:cNvPr id="72" name="Conector recto 71">
+                <a:extLst>
+                  <a:ext uri="{FF2B5EF4-FFF2-40B4-BE49-F238E27FC236}">
+                    <a16:creationId xmlns:a16="http://schemas.microsoft.com/office/drawing/2014/main" id="{7709A782-1AD8-E37A-23CB-14472A0C7C3B}"/>
+                  </a:ext>
+                </a:extLst>
+              </p:cNvPr>
+              <p:cNvCxnSpPr>
+                <a:cxnSpLocks/>
+              </p:cNvCxnSpPr>
+              <p:nvPr/>
+            </p:nvCxnSpPr>
+            <p:spPr>
+              <a:xfrm>
+                <a:off x="6313125" y="4931484"/>
+                <a:ext cx="140970" cy="0"/>
+              </a:xfrm>
+              <a:prstGeom prst="line">
+                <a:avLst/>
+              </a:prstGeom>
+              <a:ln w="19050">
+                <a:solidFill>
+                  <a:schemeClr val="tx1"/>
+                </a:solidFill>
+              </a:ln>
+            </p:spPr>
+            <p:style>
+              <a:lnRef idx="1">
+                <a:schemeClr val="accent1"/>
+              </a:lnRef>
+              <a:fillRef idx="0">
+                <a:schemeClr val="accent1"/>
+              </a:fillRef>
+              <a:effectRef idx="0">
+                <a:schemeClr val="accent1"/>
+              </a:effectRef>
+              <a:fontRef idx="minor">
+                <a:schemeClr val="tx1"/>
+              </a:fontRef>
+            </p:style>
+          </p:cxnSp>
+          <p:cxnSp>
+            <p:nvCxnSpPr>
+              <p:cNvPr id="73" name="Conector recto 72">
+                <a:extLst>
+                  <a:ext uri="{FF2B5EF4-FFF2-40B4-BE49-F238E27FC236}">
+                    <a16:creationId xmlns:a16="http://schemas.microsoft.com/office/drawing/2014/main" id="{7232F4F9-17C7-CE8C-E693-925CC3290503}"/>
+                  </a:ext>
+                </a:extLst>
+              </p:cNvPr>
+              <p:cNvCxnSpPr>
+                <a:cxnSpLocks/>
+              </p:cNvCxnSpPr>
+              <p:nvPr/>
+            </p:nvCxnSpPr>
+            <p:spPr>
+              <a:xfrm>
+                <a:off x="6313125" y="4967679"/>
+                <a:ext cx="140970" cy="0"/>
+              </a:xfrm>
+              <a:prstGeom prst="line">
+                <a:avLst/>
+              </a:prstGeom>
+              <a:ln w="19050">
+                <a:solidFill>
+                  <a:schemeClr val="tx1"/>
+                </a:solidFill>
+              </a:ln>
+            </p:spPr>
+            <p:style>
+              <a:lnRef idx="1">
+                <a:schemeClr val="accent1"/>
+              </a:lnRef>
+              <a:fillRef idx="0">
+                <a:schemeClr val="accent1"/>
+              </a:fillRef>
+              <a:effectRef idx="0">
+                <a:schemeClr val="accent1"/>
+              </a:effectRef>
+              <a:fontRef idx="minor">
+                <a:schemeClr val="tx1"/>
+              </a:fontRef>
+            </p:style>
+          </p:cxnSp>
+          <p:cxnSp>
+            <p:nvCxnSpPr>
+              <p:cNvPr id="74" name="Conector recto 73">
+                <a:extLst>
+                  <a:ext uri="{FF2B5EF4-FFF2-40B4-BE49-F238E27FC236}">
+                    <a16:creationId xmlns:a16="http://schemas.microsoft.com/office/drawing/2014/main" id="{C590345A-B854-C9BC-87E6-F9E3B7DE22E0}"/>
+                  </a:ext>
+                </a:extLst>
+              </p:cNvPr>
+              <p:cNvCxnSpPr>
+                <a:cxnSpLocks/>
+              </p:cNvCxnSpPr>
+              <p:nvPr/>
+            </p:nvCxnSpPr>
+            <p:spPr>
+              <a:xfrm>
+                <a:off x="6313125" y="5006072"/>
+                <a:ext cx="140970" cy="0"/>
+              </a:xfrm>
+              <a:prstGeom prst="line">
+                <a:avLst/>
+              </a:prstGeom>
+              <a:ln w="19050">
+                <a:solidFill>
+                  <a:schemeClr val="tx1"/>
+                </a:solidFill>
+              </a:ln>
+            </p:spPr>
+            <p:style>
+              <a:lnRef idx="1">
+                <a:schemeClr val="accent1"/>
+              </a:lnRef>
+              <a:fillRef idx="0">
+                <a:schemeClr val="accent1"/>
+              </a:fillRef>
+              <a:effectRef idx="0">
+                <a:schemeClr val="accent1"/>
+              </a:effectRef>
+              <a:fontRef idx="minor">
+                <a:schemeClr val="tx1"/>
+              </a:fontRef>
+            </p:style>
+          </p:cxnSp>
+          <p:cxnSp>
+            <p:nvCxnSpPr>
+              <p:cNvPr id="75" name="Conector recto 74">
+                <a:extLst>
+                  <a:ext uri="{FF2B5EF4-FFF2-40B4-BE49-F238E27FC236}">
+                    <a16:creationId xmlns:a16="http://schemas.microsoft.com/office/drawing/2014/main" id="{7DBBDA22-06E2-4EB7-F177-17EC146E9B6E}"/>
+                  </a:ext>
+                </a:extLst>
+              </p:cNvPr>
+              <p:cNvCxnSpPr>
+                <a:cxnSpLocks/>
+              </p:cNvCxnSpPr>
+              <p:nvPr/>
+            </p:nvCxnSpPr>
+            <p:spPr>
+              <a:xfrm>
+                <a:off x="6313125" y="5040069"/>
+                <a:ext cx="140970" cy="0"/>
+              </a:xfrm>
+              <a:prstGeom prst="line">
+                <a:avLst/>
+              </a:prstGeom>
+              <a:ln w="19050">
+                <a:solidFill>
+                  <a:schemeClr val="tx1"/>
+                </a:solidFill>
+              </a:ln>
+            </p:spPr>
+            <p:style>
+              <a:lnRef idx="1">
+                <a:schemeClr val="accent1"/>
+              </a:lnRef>
+              <a:fillRef idx="0">
+                <a:schemeClr val="accent1"/>
+              </a:fillRef>
+              <a:effectRef idx="0">
+                <a:schemeClr val="accent1"/>
+              </a:effectRef>
+              <a:fontRef idx="minor">
+                <a:schemeClr val="tx1"/>
+              </a:fontRef>
+            </p:style>
+          </p:cxnSp>
+        </p:grpSp>
+        <p:sp>
+          <p:nvSpPr>
+            <p:cNvPr id="69" name="Elipse 68">
+              <a:extLst>
+                <a:ext uri="{FF2B5EF4-FFF2-40B4-BE49-F238E27FC236}">
+                  <a16:creationId xmlns:a16="http://schemas.microsoft.com/office/drawing/2014/main" id="{3D5F38B4-DA71-A0C4-B523-BC35893B551D}"/>
+                </a:ext>
+              </a:extLst>
+            </p:cNvPr>
+            <p:cNvSpPr/>
+            <p:nvPr/>
+          </p:nvSpPr>
+          <p:spPr>
+            <a:xfrm>
+              <a:off x="6852285" y="5124459"/>
+              <a:ext cx="64770" cy="59046"/>
+            </a:xfrm>
+            <a:prstGeom prst="ellipse">
+              <a:avLst/>
+            </a:prstGeom>
+            <a:solidFill>
+              <a:srgbClr val="C00000"/>
+            </a:solidFill>
+            <a:ln>
+              <a:noFill/>
+            </a:ln>
+          </p:spPr>
+          <p:style>
+            <a:lnRef idx="2">
+              <a:schemeClr val="accent1">
+                <a:shade val="15000"/>
+              </a:schemeClr>
+            </a:lnRef>
+            <a:fillRef idx="1">
+              <a:schemeClr val="accent1"/>
+            </a:fillRef>
+            <a:effectRef idx="0">
+              <a:schemeClr val="accent1"/>
+            </a:effectRef>
+            <a:fontRef idx="minor">
+              <a:schemeClr val="lt1"/>
+            </a:fontRef>
+          </p:style>
+          <p:txBody>
+            <a:bodyPr rtlCol="0" anchor="ctr"/>
+            <a:lstStyle/>
+            <a:p>
+              <a:pPr algn="ctr"/>
+              <a:endParaRPr lang="es-EC"/>
+            </a:p>
+          </p:txBody>
+        </p:sp>
+      </p:grpSp>
     </p:spTree>
     <p:extLst>
       <p:ext uri="{BB962C8B-B14F-4D97-AF65-F5344CB8AC3E}">
